--- a/Vin_Talk.pptx
+++ b/Vin_Talk.pptx
@@ -11,14 +11,15 @@
     <p:sldId id="259" r:id="rId5"/>
     <p:sldId id="260" r:id="rId6"/>
     <p:sldId id="261" r:id="rId7"/>
-    <p:sldId id="262" r:id="rId8"/>
-    <p:sldId id="265" r:id="rId9"/>
-    <p:sldId id="263" r:id="rId10"/>
-    <p:sldId id="266" r:id="rId11"/>
-    <p:sldId id="267" r:id="rId12"/>
+    <p:sldId id="267" r:id="rId8"/>
+    <p:sldId id="262" r:id="rId9"/>
+    <p:sldId id="265" r:id="rId10"/>
+    <p:sldId id="263" r:id="rId11"/>
+    <p:sldId id="266" r:id="rId12"/>
     <p:sldId id="268" r:id="rId13"/>
     <p:sldId id="269" r:id="rId14"/>
     <p:sldId id="264" r:id="rId15"/>
+    <p:sldId id="270" r:id="rId16"/>
   </p:sldIdLst>
   <p:sldSz cx="12192000" cy="6858000"/>
   <p:notesSz cx="6858000" cy="9144000"/>
@@ -117,6 +118,11 @@
       </a:defRPr>
     </a:lvl9pPr>
   </p:defaultTextStyle>
+  <p:extLst>
+    <p:ext uri="{EFAFB233-063F-42B5-8137-9DF3F51BA10A}">
+      <p15:sldGuideLst xmlns:p15="http://schemas.microsoft.com/office/powerpoint/2012/main"/>
+    </p:ext>
+  </p:extLst>
 </p:presentation>
 </file>
 
@@ -251,7 +257,7 @@
           <a:p>
             <a:fld id="{A8A9AF2B-4ED0-4F7A-9843-CBD17C9177F0}" type="datetimeFigureOut">
               <a:rPr lang="en-US" smtClean="0"/>
-              <a:t>3/27/2023</a:t>
+              <a:t>3/28/2023</a:t>
             </a:fld>
             <a:endParaRPr lang="en-US"/>
           </a:p>
@@ -421,7 +427,7 @@
           <a:p>
             <a:fld id="{A8A9AF2B-4ED0-4F7A-9843-CBD17C9177F0}" type="datetimeFigureOut">
               <a:rPr lang="en-US" smtClean="0"/>
-              <a:t>3/27/2023</a:t>
+              <a:t>3/28/2023</a:t>
             </a:fld>
             <a:endParaRPr lang="en-US"/>
           </a:p>
@@ -601,7 +607,7 @@
           <a:p>
             <a:fld id="{A8A9AF2B-4ED0-4F7A-9843-CBD17C9177F0}" type="datetimeFigureOut">
               <a:rPr lang="en-US" smtClean="0"/>
-              <a:t>3/27/2023</a:t>
+              <a:t>3/28/2023</a:t>
             </a:fld>
             <a:endParaRPr lang="en-US"/>
           </a:p>
@@ -771,7 +777,7 @@
           <a:p>
             <a:fld id="{A8A9AF2B-4ED0-4F7A-9843-CBD17C9177F0}" type="datetimeFigureOut">
               <a:rPr lang="en-US" smtClean="0"/>
-              <a:t>3/27/2023</a:t>
+              <a:t>3/28/2023</a:t>
             </a:fld>
             <a:endParaRPr lang="en-US"/>
           </a:p>
@@ -1017,7 +1023,7 @@
           <a:p>
             <a:fld id="{A8A9AF2B-4ED0-4F7A-9843-CBD17C9177F0}" type="datetimeFigureOut">
               <a:rPr lang="en-US" smtClean="0"/>
-              <a:t>3/27/2023</a:t>
+              <a:t>3/28/2023</a:t>
             </a:fld>
             <a:endParaRPr lang="en-US"/>
           </a:p>
@@ -1249,7 +1255,7 @@
           <a:p>
             <a:fld id="{A8A9AF2B-4ED0-4F7A-9843-CBD17C9177F0}" type="datetimeFigureOut">
               <a:rPr lang="en-US" smtClean="0"/>
-              <a:t>3/27/2023</a:t>
+              <a:t>3/28/2023</a:t>
             </a:fld>
             <a:endParaRPr lang="en-US"/>
           </a:p>
@@ -1616,7 +1622,7 @@
           <a:p>
             <a:fld id="{A8A9AF2B-4ED0-4F7A-9843-CBD17C9177F0}" type="datetimeFigureOut">
               <a:rPr lang="en-US" smtClean="0"/>
-              <a:t>3/27/2023</a:t>
+              <a:t>3/28/2023</a:t>
             </a:fld>
             <a:endParaRPr lang="en-US"/>
           </a:p>
@@ -1734,7 +1740,7 @@
           <a:p>
             <a:fld id="{A8A9AF2B-4ED0-4F7A-9843-CBD17C9177F0}" type="datetimeFigureOut">
               <a:rPr lang="en-US" smtClean="0"/>
-              <a:t>3/27/2023</a:t>
+              <a:t>3/28/2023</a:t>
             </a:fld>
             <a:endParaRPr lang="en-US"/>
           </a:p>
@@ -1829,7 +1835,7 @@
           <a:p>
             <a:fld id="{A8A9AF2B-4ED0-4F7A-9843-CBD17C9177F0}" type="datetimeFigureOut">
               <a:rPr lang="en-US" smtClean="0"/>
-              <a:t>3/27/2023</a:t>
+              <a:t>3/28/2023</a:t>
             </a:fld>
             <a:endParaRPr lang="en-US"/>
           </a:p>
@@ -2106,7 +2112,7 @@
           <a:p>
             <a:fld id="{A8A9AF2B-4ED0-4F7A-9843-CBD17C9177F0}" type="datetimeFigureOut">
               <a:rPr lang="en-US" smtClean="0"/>
-              <a:t>3/27/2023</a:t>
+              <a:t>3/28/2023</a:t>
             </a:fld>
             <a:endParaRPr lang="en-US"/>
           </a:p>
@@ -2359,7 +2365,7 @@
           <a:p>
             <a:fld id="{A8A9AF2B-4ED0-4F7A-9843-CBD17C9177F0}" type="datetimeFigureOut">
               <a:rPr lang="en-US" smtClean="0"/>
-              <a:t>3/27/2023</a:t>
+              <a:t>3/28/2023</a:t>
             </a:fld>
             <a:endParaRPr lang="en-US"/>
           </a:p>
@@ -2572,7 +2578,7 @@
           <a:p>
             <a:fld id="{A8A9AF2B-4ED0-4F7A-9843-CBD17C9177F0}" type="datetimeFigureOut">
               <a:rPr lang="en-US" smtClean="0"/>
-              <a:t>3/27/2023</a:t>
+              <a:t>3/28/2023</a:t>
             </a:fld>
             <a:endParaRPr lang="en-US"/>
           </a:p>
@@ -3033,43 +3039,58 @@
         </p:nvSpPr>
         <p:spPr>
           <a:xfrm>
-            <a:off x="1524000" y="4066733"/>
+            <a:off x="1523999" y="3871861"/>
             <a:ext cx="9144000" cy="520257"/>
           </a:xfrm>
         </p:spPr>
         <p:txBody>
           <a:bodyPr>
-            <a:normAutofit/>
+            <a:noAutofit/>
           </a:bodyPr>
           <a:lstStyle/>
           <a:p>
             <a:r>
-              <a:rPr lang="en-US" dirty="0" err="1" smtClean="0"/>
+              <a:rPr lang="en-US" sz="3200" dirty="0" err="1" smtClean="0"/>
               <a:t>Đại</a:t>
             </a:r>
             <a:r>
-              <a:rPr lang="en-US" dirty="0" smtClean="0"/>
+              <a:rPr lang="en-US" sz="3200" dirty="0" smtClean="0"/>
               <a:t> </a:t>
             </a:r>
             <a:r>
-              <a:rPr lang="en-US" dirty="0" err="1" smtClean="0"/>
+              <a:rPr lang="en-US" sz="3200" dirty="0" err="1" smtClean="0"/>
               <a:t>điện</a:t>
             </a:r>
             <a:r>
-              <a:rPr lang="en-US" dirty="0" smtClean="0"/>
+              <a:rPr lang="en-US" sz="3200" dirty="0" smtClean="0"/>
               <a:t> Team </a:t>
             </a:r>
             <a:r>
-              <a:rPr lang="en-US" dirty="0" err="1" smtClean="0"/>
+              <a:rPr lang="en-US" sz="3200" dirty="0" err="1" smtClean="0"/>
               <a:t>ILoveVingroup</a:t>
             </a:r>
             <a:r>
-              <a:rPr lang="en-US" dirty="0" smtClean="0"/>
-              <a:t>: Trần Duy Đạt (dattd3)</a:t>
-            </a:r>
-          </a:p>
-          <a:p>
-            <a:endParaRPr lang="en-US" dirty="0"/>
+              <a:rPr lang="en-US" sz="3200" dirty="0" smtClean="0"/>
+              <a:t>: </a:t>
+            </a:r>
+            <a:br>
+              <a:rPr lang="en-US" sz="3200" dirty="0" smtClean="0"/>
+            </a:br>
+            <a:r>
+              <a:rPr lang="en-US" sz="3200" dirty="0" err="1"/>
+              <a:t>J</a:t>
+            </a:r>
+            <a:r>
+              <a:rPr lang="en-US" sz="3200" dirty="0" err="1" smtClean="0"/>
+              <a:t>avascript</a:t>
+            </a:r>
+            <a:r>
+              <a:rPr lang="en-US" sz="3200" dirty="0" smtClean="0"/>
+              <a:t> Developer Trần Duy Đạt (dattd3)</a:t>
+            </a:r>
+          </a:p>
+          <a:p>
+            <a:endParaRPr lang="en-US" sz="3200" dirty="0"/>
           </a:p>
         </p:txBody>
       </p:sp>
@@ -3133,6 +3154,13 @@
   <p:clrMapOvr>
     <a:masterClrMapping/>
   </p:clrMapOvr>
+  <p:timing>
+    <p:tnLst>
+      <p:par>
+        <p:cTn id="1" dur="indefinite" restart="never" nodeType="tmRoot"/>
+      </p:par>
+    </p:tnLst>
+  </p:timing>
 </p:sld>
 </file>
 
@@ -3179,472 +3207,97 @@
         </p:nvSpPr>
         <p:spPr>
           <a:xfrm>
-            <a:off x="1404078" y="418725"/>
-            <a:ext cx="9144000" cy="1158240"/>
+            <a:off x="1946223" y="2473378"/>
+            <a:ext cx="8299554" cy="1052310"/>
           </a:xfrm>
         </p:spPr>
         <p:txBody>
+          <a:bodyPr>
+            <a:normAutofit/>
+          </a:bodyPr>
+          <a:lstStyle/>
+          <a:p>
+            <a:r>
+              <a:rPr lang="en-US" sz="5400" dirty="0" smtClean="0"/>
+              <a:t>NỘI LỰC = </a:t>
+            </a:r>
+            <a:r>
+              <a:rPr lang="en-US" sz="5400" dirty="0" err="1" smtClean="0"/>
+              <a:t>thân</a:t>
+            </a:r>
+            <a:r>
+              <a:rPr lang="en-US" sz="5400" dirty="0" smtClean="0"/>
+              <a:t> + </a:t>
+            </a:r>
+            <a:r>
+              <a:rPr lang="en-US" sz="5400" dirty="0" err="1" smtClean="0"/>
+              <a:t>tâm</a:t>
+            </a:r>
+            <a:r>
+              <a:rPr lang="en-US" sz="5400" dirty="0" smtClean="0"/>
+              <a:t> + </a:t>
+            </a:r>
+            <a:r>
+              <a:rPr lang="en-US" sz="5400" dirty="0" err="1" smtClean="0"/>
+              <a:t>trí</a:t>
+            </a:r>
+            <a:endParaRPr lang="en-US" sz="5400" dirty="0"/>
+          </a:p>
+        </p:txBody>
+      </p:sp>
+      <p:sp>
+        <p:nvSpPr>
+          <p:cNvPr id="3" name="Subtitle 2"/>
+          <p:cNvSpPr>
+            <a:spLocks noGrp="1"/>
+          </p:cNvSpPr>
+          <p:nvPr>
+            <p:ph type="subTitle" idx="1"/>
+          </p:nvPr>
+        </p:nvSpPr>
+        <p:spPr>
+          <a:xfrm>
+            <a:off x="1524000" y="3751939"/>
+            <a:ext cx="9144000" cy="865031"/>
+          </a:xfrm>
+        </p:spPr>
+        <p:txBody>
           <a:bodyPr/>
           <a:lstStyle/>
           <a:p>
             <a:r>
               <a:rPr lang="en-US" dirty="0" smtClean="0"/>
-              <a:t>PHÒNG THỦ</a:t>
+              <a:t>7 TỶ &gt; 3 </a:t>
+            </a:r>
+            <a:r>
+              <a:rPr lang="en-US" dirty="0" err="1" smtClean="0"/>
+              <a:t>Tỷ</a:t>
+            </a:r>
+            <a:r>
+              <a:rPr lang="en-US" dirty="0" smtClean="0"/>
+              <a:t> (NGƯỜI)</a:t>
             </a:r>
             <a:endParaRPr lang="en-US" dirty="0"/>
-          </a:p>
-        </p:txBody>
-      </p:sp>
-      <p:sp>
-        <p:nvSpPr>
-          <p:cNvPr id="3" name="Subtitle 2"/>
-          <p:cNvSpPr>
-            <a:spLocks noGrp="1"/>
-          </p:cNvSpPr>
-          <p:nvPr>
-            <p:ph type="subTitle" idx="1"/>
-          </p:nvPr>
-        </p:nvSpPr>
-        <p:spPr>
-          <a:xfrm>
-            <a:off x="2438400" y="2120758"/>
-            <a:ext cx="7575029" cy="445307"/>
-          </a:xfrm>
-        </p:spPr>
-        <p:txBody>
-          <a:bodyPr>
-            <a:noAutofit/>
-          </a:bodyPr>
-          <a:lstStyle/>
-          <a:p>
-            <a:r>
-              <a:rPr lang="en-US" sz="3200" dirty="0" err="1" smtClean="0"/>
-              <a:t>kiếm</a:t>
-            </a:r>
-            <a:r>
-              <a:rPr lang="en-US" sz="3200" dirty="0" smtClean="0"/>
-              <a:t> </a:t>
-            </a:r>
-            <a:r>
-              <a:rPr lang="en-US" sz="3200" dirty="0" err="1" smtClean="0"/>
-              <a:t>tiền</a:t>
-            </a:r>
-            <a:r>
-              <a:rPr lang="en-US" sz="3200" dirty="0" smtClean="0"/>
-              <a:t> </a:t>
-            </a:r>
-            <a:r>
-              <a:rPr lang="en-US" sz="3200" dirty="0" err="1" smtClean="0"/>
-              <a:t>chỉ</a:t>
-            </a:r>
-            <a:r>
-              <a:rPr lang="en-US" sz="3200" dirty="0" smtClean="0"/>
-              <a:t> </a:t>
-            </a:r>
-            <a:r>
-              <a:rPr lang="en-US" sz="3200" dirty="0" err="1" smtClean="0"/>
-              <a:t>đủ</a:t>
-            </a:r>
-            <a:r>
-              <a:rPr lang="en-US" sz="3200" dirty="0" smtClean="0"/>
-              <a:t> </a:t>
-            </a:r>
-            <a:r>
-              <a:rPr lang="en-US" sz="3200" dirty="0" err="1" smtClean="0"/>
-              <a:t>sống</a:t>
-            </a:r>
-            <a:r>
-              <a:rPr lang="en-US" sz="3200" dirty="0" smtClean="0"/>
-              <a:t>, </a:t>
-            </a:r>
-            <a:r>
-              <a:rPr lang="en-US" sz="3200" dirty="0" err="1" smtClean="0"/>
-              <a:t>cách</a:t>
-            </a:r>
-            <a:r>
-              <a:rPr lang="en-US" sz="3200" dirty="0" smtClean="0"/>
-              <a:t> </a:t>
-            </a:r>
-            <a:r>
-              <a:rPr lang="en-US" sz="3200" dirty="0" err="1" smtClean="0"/>
-              <a:t>tiêu</a:t>
-            </a:r>
-            <a:r>
-              <a:rPr lang="en-US" sz="3200" dirty="0" smtClean="0"/>
-              <a:t> </a:t>
-            </a:r>
-            <a:r>
-              <a:rPr lang="en-US" sz="3200" dirty="0" err="1" smtClean="0"/>
-              <a:t>tiền</a:t>
-            </a:r>
-            <a:r>
-              <a:rPr lang="en-US" sz="3200" dirty="0" smtClean="0"/>
-              <a:t> </a:t>
-            </a:r>
-            <a:r>
-              <a:rPr lang="en-US" sz="3200" dirty="0" err="1" smtClean="0"/>
-              <a:t>sẽ</a:t>
-            </a:r>
-            <a:r>
-              <a:rPr lang="en-US" sz="3200" dirty="0" smtClean="0"/>
-              <a:t> </a:t>
-            </a:r>
-            <a:r>
-              <a:rPr lang="en-US" sz="3200" dirty="0" err="1" smtClean="0"/>
-              <a:t>cho</a:t>
-            </a:r>
-            <a:r>
-              <a:rPr lang="en-US" sz="3200" dirty="0" smtClean="0"/>
-              <a:t> </a:t>
-            </a:r>
-            <a:r>
-              <a:rPr lang="en-US" sz="3200" dirty="0" err="1" smtClean="0"/>
-              <a:t>bạn</a:t>
-            </a:r>
-            <a:r>
-              <a:rPr lang="en-US" sz="3200" dirty="0" smtClean="0"/>
-              <a:t> </a:t>
-            </a:r>
-            <a:r>
-              <a:rPr lang="en-US" sz="3200" dirty="0" err="1" smtClean="0"/>
-              <a:t>một</a:t>
-            </a:r>
-            <a:r>
-              <a:rPr lang="en-US" sz="3200" dirty="0" smtClean="0"/>
-              <a:t> </a:t>
-            </a:r>
-            <a:r>
-              <a:rPr lang="en-US" sz="3200" dirty="0" err="1" smtClean="0"/>
-              <a:t>gia</a:t>
-            </a:r>
-            <a:r>
-              <a:rPr lang="en-US" sz="3200" dirty="0" smtClean="0"/>
-              <a:t> </a:t>
-            </a:r>
-            <a:r>
-              <a:rPr lang="en-US" sz="3200" dirty="0" err="1" smtClean="0"/>
-              <a:t>tài</a:t>
-            </a:r>
-            <a:endParaRPr lang="en-US" sz="3200" dirty="0"/>
-          </a:p>
-        </p:txBody>
-      </p:sp>
-      <p:sp>
-        <p:nvSpPr>
-          <p:cNvPr id="4" name="Subtitle 2"/>
-          <p:cNvSpPr txBox="1">
-            <a:spLocks/>
-          </p:cNvSpPr>
-          <p:nvPr/>
-        </p:nvSpPr>
-        <p:spPr>
-          <a:xfrm>
-            <a:off x="1404078" y="3109859"/>
-            <a:ext cx="9144000" cy="1866874"/>
-          </a:xfrm>
-          <a:prstGeom prst="rect">
-            <a:avLst/>
-          </a:prstGeom>
-        </p:spPr>
-        <p:txBody>
-          <a:bodyPr vert="horz" lIns="91440" tIns="45720" rIns="91440" bIns="45720" rtlCol="0">
-            <a:normAutofit/>
-          </a:bodyPr>
-          <a:lstStyle>
-            <a:lvl1pPr marL="0" indent="0" algn="ctr" defTabSz="914400" rtl="0" eaLnBrk="1" latinLnBrk="0" hangingPunct="1">
-              <a:lnSpc>
-                <a:spcPct val="90000"/>
-              </a:lnSpc>
-              <a:spcBef>
-                <a:spcPts val="1000"/>
-              </a:spcBef>
-              <a:buFont typeface="Arial" panose="020B0604020202020204" pitchFamily="34" charset="0"/>
-              <a:buNone/>
-              <a:defRPr sz="2400" kern="1200">
-                <a:solidFill>
-                  <a:schemeClr val="tx1"/>
-                </a:solidFill>
-                <a:latin typeface="+mn-lt"/>
-                <a:ea typeface="+mn-ea"/>
-                <a:cs typeface="+mn-cs"/>
-              </a:defRPr>
-            </a:lvl1pPr>
-            <a:lvl2pPr marL="457200" indent="0" algn="ctr" defTabSz="914400" rtl="0" eaLnBrk="1" latinLnBrk="0" hangingPunct="1">
-              <a:lnSpc>
-                <a:spcPct val="90000"/>
-              </a:lnSpc>
-              <a:spcBef>
-                <a:spcPts val="500"/>
-              </a:spcBef>
-              <a:buFont typeface="Arial" panose="020B0604020202020204" pitchFamily="34" charset="0"/>
-              <a:buNone/>
-              <a:defRPr sz="2000" kern="1200">
-                <a:solidFill>
-                  <a:schemeClr val="tx1"/>
-                </a:solidFill>
-                <a:latin typeface="+mn-lt"/>
-                <a:ea typeface="+mn-ea"/>
-                <a:cs typeface="+mn-cs"/>
-              </a:defRPr>
-            </a:lvl2pPr>
-            <a:lvl3pPr marL="914400" indent="0" algn="ctr" defTabSz="914400" rtl="0" eaLnBrk="1" latinLnBrk="0" hangingPunct="1">
-              <a:lnSpc>
-                <a:spcPct val="90000"/>
-              </a:lnSpc>
-              <a:spcBef>
-                <a:spcPts val="500"/>
-              </a:spcBef>
-              <a:buFont typeface="Arial" panose="020B0604020202020204" pitchFamily="34" charset="0"/>
-              <a:buNone/>
-              <a:defRPr sz="1800" kern="1200">
-                <a:solidFill>
-                  <a:schemeClr val="tx1"/>
-                </a:solidFill>
-                <a:latin typeface="+mn-lt"/>
-                <a:ea typeface="+mn-ea"/>
-                <a:cs typeface="+mn-cs"/>
-              </a:defRPr>
-            </a:lvl3pPr>
-            <a:lvl4pPr marL="1371600" indent="0" algn="ctr" defTabSz="914400" rtl="0" eaLnBrk="1" latinLnBrk="0" hangingPunct="1">
-              <a:lnSpc>
-                <a:spcPct val="90000"/>
-              </a:lnSpc>
-              <a:spcBef>
-                <a:spcPts val="500"/>
-              </a:spcBef>
-              <a:buFont typeface="Arial" panose="020B0604020202020204" pitchFamily="34" charset="0"/>
-              <a:buNone/>
-              <a:defRPr sz="1600" kern="1200">
-                <a:solidFill>
-                  <a:schemeClr val="tx1"/>
-                </a:solidFill>
-                <a:latin typeface="+mn-lt"/>
-                <a:ea typeface="+mn-ea"/>
-                <a:cs typeface="+mn-cs"/>
-              </a:defRPr>
-            </a:lvl4pPr>
-            <a:lvl5pPr marL="1828800" indent="0" algn="ctr" defTabSz="914400" rtl="0" eaLnBrk="1" latinLnBrk="0" hangingPunct="1">
-              <a:lnSpc>
-                <a:spcPct val="90000"/>
-              </a:lnSpc>
-              <a:spcBef>
-                <a:spcPts val="500"/>
-              </a:spcBef>
-              <a:buFont typeface="Arial" panose="020B0604020202020204" pitchFamily="34" charset="0"/>
-              <a:buNone/>
-              <a:defRPr sz="1600" kern="1200">
-                <a:solidFill>
-                  <a:schemeClr val="tx1"/>
-                </a:solidFill>
-                <a:latin typeface="+mn-lt"/>
-                <a:ea typeface="+mn-ea"/>
-                <a:cs typeface="+mn-cs"/>
-              </a:defRPr>
-            </a:lvl5pPr>
-            <a:lvl6pPr marL="2286000" indent="0" algn="ctr" defTabSz="914400" rtl="0" eaLnBrk="1" latinLnBrk="0" hangingPunct="1">
-              <a:lnSpc>
-                <a:spcPct val="90000"/>
-              </a:lnSpc>
-              <a:spcBef>
-                <a:spcPts val="500"/>
-              </a:spcBef>
-              <a:buFont typeface="Arial" panose="020B0604020202020204" pitchFamily="34" charset="0"/>
-              <a:buNone/>
-              <a:defRPr sz="1600" kern="1200">
-                <a:solidFill>
-                  <a:schemeClr val="tx1"/>
-                </a:solidFill>
-                <a:latin typeface="+mn-lt"/>
-                <a:ea typeface="+mn-ea"/>
-                <a:cs typeface="+mn-cs"/>
-              </a:defRPr>
-            </a:lvl6pPr>
-            <a:lvl7pPr marL="2743200" indent="0" algn="ctr" defTabSz="914400" rtl="0" eaLnBrk="1" latinLnBrk="0" hangingPunct="1">
-              <a:lnSpc>
-                <a:spcPct val="90000"/>
-              </a:lnSpc>
-              <a:spcBef>
-                <a:spcPts val="500"/>
-              </a:spcBef>
-              <a:buFont typeface="Arial" panose="020B0604020202020204" pitchFamily="34" charset="0"/>
-              <a:buNone/>
-              <a:defRPr sz="1600" kern="1200">
-                <a:solidFill>
-                  <a:schemeClr val="tx1"/>
-                </a:solidFill>
-                <a:latin typeface="+mn-lt"/>
-                <a:ea typeface="+mn-ea"/>
-                <a:cs typeface="+mn-cs"/>
-              </a:defRPr>
-            </a:lvl7pPr>
-            <a:lvl8pPr marL="3200400" indent="0" algn="ctr" defTabSz="914400" rtl="0" eaLnBrk="1" latinLnBrk="0" hangingPunct="1">
-              <a:lnSpc>
-                <a:spcPct val="90000"/>
-              </a:lnSpc>
-              <a:spcBef>
-                <a:spcPts val="500"/>
-              </a:spcBef>
-              <a:buFont typeface="Arial" panose="020B0604020202020204" pitchFamily="34" charset="0"/>
-              <a:buNone/>
-              <a:defRPr sz="1600" kern="1200">
-                <a:solidFill>
-                  <a:schemeClr val="tx1"/>
-                </a:solidFill>
-                <a:latin typeface="+mn-lt"/>
-                <a:ea typeface="+mn-ea"/>
-                <a:cs typeface="+mn-cs"/>
-              </a:defRPr>
-            </a:lvl8pPr>
-            <a:lvl9pPr marL="3657600" indent="0" algn="ctr" defTabSz="914400" rtl="0" eaLnBrk="1" latinLnBrk="0" hangingPunct="1">
-              <a:lnSpc>
-                <a:spcPct val="90000"/>
-              </a:lnSpc>
-              <a:spcBef>
-                <a:spcPts val="500"/>
-              </a:spcBef>
-              <a:buFont typeface="Arial" panose="020B0604020202020204" pitchFamily="34" charset="0"/>
-              <a:buNone/>
-              <a:defRPr sz="1600" kern="1200">
-                <a:solidFill>
-                  <a:schemeClr val="tx1"/>
-                </a:solidFill>
-                <a:latin typeface="+mn-lt"/>
-                <a:ea typeface="+mn-ea"/>
-                <a:cs typeface="+mn-cs"/>
-              </a:defRPr>
-            </a:lvl9pPr>
-          </a:lstStyle>
-          <a:p>
-            <a:r>
-              <a:rPr lang="en-US" sz="3200" dirty="0" smtClean="0"/>
-              <a:t>“</a:t>
-            </a:r>
-            <a:r>
-              <a:rPr lang="en-US" sz="3200" dirty="0" err="1" smtClean="0"/>
-              <a:t>Tấn</a:t>
-            </a:r>
-            <a:r>
-              <a:rPr lang="en-US" sz="3200" dirty="0" smtClean="0"/>
-              <a:t> </a:t>
-            </a:r>
-            <a:r>
-              <a:rPr lang="en-US" sz="3200" dirty="0" err="1"/>
-              <a:t>công</a:t>
-            </a:r>
-            <a:r>
-              <a:rPr lang="en-US" sz="3200" dirty="0"/>
-              <a:t> </a:t>
-            </a:r>
-            <a:r>
-              <a:rPr lang="en-US" sz="3200" dirty="0" err="1"/>
-              <a:t>giúp</a:t>
-            </a:r>
-            <a:r>
-              <a:rPr lang="en-US" sz="3200" dirty="0"/>
-              <a:t> </a:t>
-            </a:r>
-            <a:r>
-              <a:rPr lang="en-US" sz="3200" dirty="0" err="1"/>
-              <a:t>bạn</a:t>
-            </a:r>
-            <a:r>
-              <a:rPr lang="en-US" sz="3200" dirty="0"/>
-              <a:t> </a:t>
-            </a:r>
-            <a:r>
-              <a:rPr lang="en-US" sz="3200" dirty="0" err="1"/>
-              <a:t>thắng</a:t>
-            </a:r>
-            <a:r>
-              <a:rPr lang="en-US" sz="3200" dirty="0"/>
-              <a:t> </a:t>
-            </a:r>
-            <a:r>
-              <a:rPr lang="en-US" sz="3200" dirty="0" err="1"/>
-              <a:t>các</a:t>
-            </a:r>
-            <a:r>
-              <a:rPr lang="en-US" sz="3200" dirty="0"/>
-              <a:t> </a:t>
-            </a:r>
-            <a:r>
-              <a:rPr lang="en-US" sz="3200" dirty="0" err="1"/>
-              <a:t>trận</a:t>
-            </a:r>
-            <a:r>
-              <a:rPr lang="en-US" sz="3200" dirty="0"/>
-              <a:t> </a:t>
-            </a:r>
-            <a:r>
-              <a:rPr lang="en-US" sz="3200" dirty="0" err="1" smtClean="0"/>
-              <a:t>đấu</a:t>
-            </a:r>
-            <a:endParaRPr lang="en-US" sz="3200" dirty="0" smtClean="0"/>
-          </a:p>
-          <a:p>
-            <a:r>
-              <a:rPr lang="en-US" sz="3200" dirty="0" err="1" smtClean="0"/>
-              <a:t>còn</a:t>
-            </a:r>
-            <a:r>
-              <a:rPr lang="en-US" sz="3200" dirty="0" smtClean="0"/>
-              <a:t> </a:t>
-            </a:r>
-            <a:r>
-              <a:rPr lang="en-US" sz="3200" dirty="0" err="1"/>
-              <a:t>phòng</a:t>
-            </a:r>
-            <a:r>
-              <a:rPr lang="en-US" sz="3200" dirty="0"/>
-              <a:t> </a:t>
-            </a:r>
-            <a:r>
-              <a:rPr lang="en-US" sz="3200" dirty="0" err="1"/>
-              <a:t>thủ</a:t>
-            </a:r>
-            <a:r>
-              <a:rPr lang="en-US" sz="3200" dirty="0"/>
-              <a:t> </a:t>
-            </a:r>
-            <a:r>
-              <a:rPr lang="en-US" sz="3200" dirty="0" err="1"/>
-              <a:t>mang</a:t>
-            </a:r>
-            <a:r>
-              <a:rPr lang="en-US" sz="3200" dirty="0"/>
-              <a:t> lại danh </a:t>
-            </a:r>
-            <a:r>
-              <a:rPr lang="en-US" sz="3200" dirty="0" err="1" smtClean="0"/>
-              <a:t>hiệu</a:t>
-            </a:r>
-            <a:r>
-              <a:rPr lang="en-US" sz="3200" dirty="0" smtClean="0"/>
-              <a:t>”</a:t>
-            </a:r>
-          </a:p>
-          <a:p>
-            <a:r>
-              <a:rPr lang="en-US" sz="3200" dirty="0" smtClean="0"/>
-              <a:t>Sir </a:t>
-            </a:r>
-            <a:r>
-              <a:rPr lang="en-US" sz="3200" dirty="0"/>
-              <a:t>Alex Ferguson</a:t>
-            </a:r>
           </a:p>
         </p:txBody>
       </p:sp>
     </p:spTree>
     <p:extLst>
       <p:ext uri="{BB962C8B-B14F-4D97-AF65-F5344CB8AC3E}">
-        <p14:creationId xmlns:p14="http://schemas.microsoft.com/office/powerpoint/2010/main" val="997891583"/>
+        <p14:creationId xmlns:p14="http://schemas.microsoft.com/office/powerpoint/2010/main" val="2160267804"/>
       </p:ext>
     </p:extLst>
   </p:cSld>
   <p:clrMapOvr>
     <a:masterClrMapping/>
   </p:clrMapOvr>
+  <p:timing>
+    <p:tnLst>
+      <p:par>
+        <p:cTn id="1" dur="indefinite" restart="never" nodeType="tmRoot"/>
+      </p:par>
+    </p:tnLst>
+  </p:timing>
 </p:sld>
 </file>
 
@@ -3691,7 +3344,7 @@
         </p:nvSpPr>
         <p:spPr>
           <a:xfrm>
-            <a:off x="1299148" y="2787171"/>
+            <a:off x="1404078" y="418725"/>
             <a:ext cx="9144000" cy="1158240"/>
           </a:xfrm>
         </p:spPr>
@@ -3701,7 +3354,7 @@
           <a:p>
             <a:r>
               <a:rPr lang="en-US" dirty="0" smtClean="0"/>
-              <a:t>JUST DO IT!</a:t>
+              <a:t>PHÒNG THỦ</a:t>
             </a:r>
             <a:endParaRPr lang="en-US" dirty="0"/>
           </a:p>
@@ -3719,8 +3372,8 @@
         </p:nvSpPr>
         <p:spPr>
           <a:xfrm>
-            <a:off x="1449049" y="5265946"/>
-            <a:ext cx="9144000" cy="505267"/>
+            <a:off x="2438400" y="2120758"/>
+            <a:ext cx="7575029" cy="445307"/>
           </a:xfrm>
         </p:spPr>
         <p:txBody>
@@ -3730,43 +3383,440 @@
           <a:lstStyle/>
           <a:p>
             <a:r>
+              <a:rPr lang="en-US" sz="3200" dirty="0" err="1" smtClean="0"/>
+              <a:t>kiếm</a:t>
+            </a:r>
+            <a:r>
               <a:rPr lang="en-US" sz="3200" dirty="0" smtClean="0"/>
-              <a:t>Xác </a:t>
+              <a:t> </a:t>
             </a:r>
             <a:r>
               <a:rPr lang="en-US" sz="3200" dirty="0" err="1" smtClean="0"/>
-              <a:t>suất</a:t>
+              <a:t>tiền</a:t>
             </a:r>
             <a:r>
               <a:rPr lang="en-US" sz="3200" dirty="0" smtClean="0"/>
-              <a:t> = </a:t>
+              <a:t> </a:t>
             </a:r>
             <a:r>
               <a:rPr lang="en-US" sz="3200" dirty="0" err="1" smtClean="0"/>
-              <a:t>sấp</a:t>
+              <a:t>chỉ</a:t>
             </a:r>
             <a:r>
               <a:rPr lang="en-US" sz="3200" dirty="0" smtClean="0"/>
-              <a:t> / </a:t>
+              <a:t> </a:t>
             </a:r>
             <a:r>
               <a:rPr lang="en-US" sz="3200" dirty="0" err="1" smtClean="0"/>
-              <a:t>ngửa</a:t>
+              <a:t>đủ</a:t>
+            </a:r>
+            <a:r>
+              <a:rPr lang="en-US" sz="3200" dirty="0" smtClean="0"/>
+              <a:t> </a:t>
+            </a:r>
+            <a:r>
+              <a:rPr lang="en-US" sz="3200" dirty="0" err="1" smtClean="0"/>
+              <a:t>sống</a:t>
+            </a:r>
+            <a:r>
+              <a:rPr lang="en-US" sz="3200" dirty="0" smtClean="0"/>
+              <a:t>, </a:t>
+            </a:r>
+            <a:r>
+              <a:rPr lang="en-US" sz="3200" dirty="0" err="1" smtClean="0"/>
+              <a:t>cách</a:t>
+            </a:r>
+            <a:r>
+              <a:rPr lang="en-US" sz="3200" dirty="0" smtClean="0"/>
+              <a:t> </a:t>
+            </a:r>
+            <a:r>
+              <a:rPr lang="en-US" sz="3200" dirty="0" err="1" smtClean="0"/>
+              <a:t>tiêu</a:t>
+            </a:r>
+            <a:r>
+              <a:rPr lang="en-US" sz="3200" dirty="0" smtClean="0"/>
+              <a:t> </a:t>
+            </a:r>
+            <a:r>
+              <a:rPr lang="en-US" sz="3200" dirty="0" err="1" smtClean="0"/>
+              <a:t>tiền</a:t>
+            </a:r>
+            <a:r>
+              <a:rPr lang="en-US" sz="3200" dirty="0" smtClean="0"/>
+              <a:t> </a:t>
+            </a:r>
+            <a:r>
+              <a:rPr lang="en-US" sz="3200" dirty="0" err="1" smtClean="0"/>
+              <a:t>sẽ</a:t>
+            </a:r>
+            <a:r>
+              <a:rPr lang="en-US" sz="3200" dirty="0" smtClean="0"/>
+              <a:t> </a:t>
+            </a:r>
+            <a:r>
+              <a:rPr lang="en-US" sz="3200" dirty="0" err="1" smtClean="0"/>
+              <a:t>cho</a:t>
+            </a:r>
+            <a:r>
+              <a:rPr lang="en-US" sz="3200" dirty="0" smtClean="0"/>
+              <a:t> </a:t>
+            </a:r>
+            <a:r>
+              <a:rPr lang="en-US" sz="3200" dirty="0" err="1" smtClean="0"/>
+              <a:t>bạn</a:t>
+            </a:r>
+            <a:r>
+              <a:rPr lang="en-US" sz="3200" dirty="0" smtClean="0"/>
+              <a:t> </a:t>
+            </a:r>
+            <a:r>
+              <a:rPr lang="en-US" sz="3200" dirty="0" err="1" smtClean="0"/>
+              <a:t>một</a:t>
+            </a:r>
+            <a:r>
+              <a:rPr lang="en-US" sz="3200" dirty="0" smtClean="0"/>
+              <a:t> </a:t>
+            </a:r>
+            <a:r>
+              <a:rPr lang="en-US" sz="3200" dirty="0" err="1" smtClean="0"/>
+              <a:t>gia</a:t>
+            </a:r>
+            <a:r>
+              <a:rPr lang="en-US" sz="3200" dirty="0" smtClean="0"/>
+              <a:t> </a:t>
+            </a:r>
+            <a:r>
+              <a:rPr lang="en-US" sz="3200" dirty="0" err="1" smtClean="0"/>
+              <a:t>tài</a:t>
             </a:r>
             <a:endParaRPr lang="en-US" sz="3200" dirty="0"/>
+          </a:p>
+        </p:txBody>
+      </p:sp>
+      <p:sp>
+        <p:nvSpPr>
+          <p:cNvPr id="4" name="Subtitle 2"/>
+          <p:cNvSpPr txBox="1">
+            <a:spLocks/>
+          </p:cNvSpPr>
+          <p:nvPr/>
+        </p:nvSpPr>
+        <p:spPr>
+          <a:xfrm>
+            <a:off x="1404078" y="3109859"/>
+            <a:ext cx="9144000" cy="1866874"/>
+          </a:xfrm>
+          <a:prstGeom prst="rect">
+            <a:avLst/>
+          </a:prstGeom>
+        </p:spPr>
+        <p:txBody>
+          <a:bodyPr vert="horz" lIns="91440" tIns="45720" rIns="91440" bIns="45720" rtlCol="0">
+            <a:normAutofit/>
+          </a:bodyPr>
+          <a:lstStyle>
+            <a:lvl1pPr marL="0" indent="0" algn="ctr" defTabSz="914400" rtl="0" eaLnBrk="1" latinLnBrk="0" hangingPunct="1">
+              <a:lnSpc>
+                <a:spcPct val="90000"/>
+              </a:lnSpc>
+              <a:spcBef>
+                <a:spcPts val="1000"/>
+              </a:spcBef>
+              <a:buFont typeface="Arial" panose="020B0604020202020204" pitchFamily="34" charset="0"/>
+              <a:buNone/>
+              <a:defRPr sz="2400" kern="1200">
+                <a:solidFill>
+                  <a:schemeClr val="tx1"/>
+                </a:solidFill>
+                <a:latin typeface="+mn-lt"/>
+                <a:ea typeface="+mn-ea"/>
+                <a:cs typeface="+mn-cs"/>
+              </a:defRPr>
+            </a:lvl1pPr>
+            <a:lvl2pPr marL="457200" indent="0" algn="ctr" defTabSz="914400" rtl="0" eaLnBrk="1" latinLnBrk="0" hangingPunct="1">
+              <a:lnSpc>
+                <a:spcPct val="90000"/>
+              </a:lnSpc>
+              <a:spcBef>
+                <a:spcPts val="500"/>
+              </a:spcBef>
+              <a:buFont typeface="Arial" panose="020B0604020202020204" pitchFamily="34" charset="0"/>
+              <a:buNone/>
+              <a:defRPr sz="2000" kern="1200">
+                <a:solidFill>
+                  <a:schemeClr val="tx1"/>
+                </a:solidFill>
+                <a:latin typeface="+mn-lt"/>
+                <a:ea typeface="+mn-ea"/>
+                <a:cs typeface="+mn-cs"/>
+              </a:defRPr>
+            </a:lvl2pPr>
+            <a:lvl3pPr marL="914400" indent="0" algn="ctr" defTabSz="914400" rtl="0" eaLnBrk="1" latinLnBrk="0" hangingPunct="1">
+              <a:lnSpc>
+                <a:spcPct val="90000"/>
+              </a:lnSpc>
+              <a:spcBef>
+                <a:spcPts val="500"/>
+              </a:spcBef>
+              <a:buFont typeface="Arial" panose="020B0604020202020204" pitchFamily="34" charset="0"/>
+              <a:buNone/>
+              <a:defRPr sz="1800" kern="1200">
+                <a:solidFill>
+                  <a:schemeClr val="tx1"/>
+                </a:solidFill>
+                <a:latin typeface="+mn-lt"/>
+                <a:ea typeface="+mn-ea"/>
+                <a:cs typeface="+mn-cs"/>
+              </a:defRPr>
+            </a:lvl3pPr>
+            <a:lvl4pPr marL="1371600" indent="0" algn="ctr" defTabSz="914400" rtl="0" eaLnBrk="1" latinLnBrk="0" hangingPunct="1">
+              <a:lnSpc>
+                <a:spcPct val="90000"/>
+              </a:lnSpc>
+              <a:spcBef>
+                <a:spcPts val="500"/>
+              </a:spcBef>
+              <a:buFont typeface="Arial" panose="020B0604020202020204" pitchFamily="34" charset="0"/>
+              <a:buNone/>
+              <a:defRPr sz="1600" kern="1200">
+                <a:solidFill>
+                  <a:schemeClr val="tx1"/>
+                </a:solidFill>
+                <a:latin typeface="+mn-lt"/>
+                <a:ea typeface="+mn-ea"/>
+                <a:cs typeface="+mn-cs"/>
+              </a:defRPr>
+            </a:lvl4pPr>
+            <a:lvl5pPr marL="1828800" indent="0" algn="ctr" defTabSz="914400" rtl="0" eaLnBrk="1" latinLnBrk="0" hangingPunct="1">
+              <a:lnSpc>
+                <a:spcPct val="90000"/>
+              </a:lnSpc>
+              <a:spcBef>
+                <a:spcPts val="500"/>
+              </a:spcBef>
+              <a:buFont typeface="Arial" panose="020B0604020202020204" pitchFamily="34" charset="0"/>
+              <a:buNone/>
+              <a:defRPr sz="1600" kern="1200">
+                <a:solidFill>
+                  <a:schemeClr val="tx1"/>
+                </a:solidFill>
+                <a:latin typeface="+mn-lt"/>
+                <a:ea typeface="+mn-ea"/>
+                <a:cs typeface="+mn-cs"/>
+              </a:defRPr>
+            </a:lvl5pPr>
+            <a:lvl6pPr marL="2286000" indent="0" algn="ctr" defTabSz="914400" rtl="0" eaLnBrk="1" latinLnBrk="0" hangingPunct="1">
+              <a:lnSpc>
+                <a:spcPct val="90000"/>
+              </a:lnSpc>
+              <a:spcBef>
+                <a:spcPts val="500"/>
+              </a:spcBef>
+              <a:buFont typeface="Arial" panose="020B0604020202020204" pitchFamily="34" charset="0"/>
+              <a:buNone/>
+              <a:defRPr sz="1600" kern="1200">
+                <a:solidFill>
+                  <a:schemeClr val="tx1"/>
+                </a:solidFill>
+                <a:latin typeface="+mn-lt"/>
+                <a:ea typeface="+mn-ea"/>
+                <a:cs typeface="+mn-cs"/>
+              </a:defRPr>
+            </a:lvl6pPr>
+            <a:lvl7pPr marL="2743200" indent="0" algn="ctr" defTabSz="914400" rtl="0" eaLnBrk="1" latinLnBrk="0" hangingPunct="1">
+              <a:lnSpc>
+                <a:spcPct val="90000"/>
+              </a:lnSpc>
+              <a:spcBef>
+                <a:spcPts val="500"/>
+              </a:spcBef>
+              <a:buFont typeface="Arial" panose="020B0604020202020204" pitchFamily="34" charset="0"/>
+              <a:buNone/>
+              <a:defRPr sz="1600" kern="1200">
+                <a:solidFill>
+                  <a:schemeClr val="tx1"/>
+                </a:solidFill>
+                <a:latin typeface="+mn-lt"/>
+                <a:ea typeface="+mn-ea"/>
+                <a:cs typeface="+mn-cs"/>
+              </a:defRPr>
+            </a:lvl7pPr>
+            <a:lvl8pPr marL="3200400" indent="0" algn="ctr" defTabSz="914400" rtl="0" eaLnBrk="1" latinLnBrk="0" hangingPunct="1">
+              <a:lnSpc>
+                <a:spcPct val="90000"/>
+              </a:lnSpc>
+              <a:spcBef>
+                <a:spcPts val="500"/>
+              </a:spcBef>
+              <a:buFont typeface="Arial" panose="020B0604020202020204" pitchFamily="34" charset="0"/>
+              <a:buNone/>
+              <a:defRPr sz="1600" kern="1200">
+                <a:solidFill>
+                  <a:schemeClr val="tx1"/>
+                </a:solidFill>
+                <a:latin typeface="+mn-lt"/>
+                <a:ea typeface="+mn-ea"/>
+                <a:cs typeface="+mn-cs"/>
+              </a:defRPr>
+            </a:lvl8pPr>
+            <a:lvl9pPr marL="3657600" indent="0" algn="ctr" defTabSz="914400" rtl="0" eaLnBrk="1" latinLnBrk="0" hangingPunct="1">
+              <a:lnSpc>
+                <a:spcPct val="90000"/>
+              </a:lnSpc>
+              <a:spcBef>
+                <a:spcPts val="500"/>
+              </a:spcBef>
+              <a:buFont typeface="Arial" panose="020B0604020202020204" pitchFamily="34" charset="0"/>
+              <a:buNone/>
+              <a:defRPr sz="1600" kern="1200">
+                <a:solidFill>
+                  <a:schemeClr val="tx1"/>
+                </a:solidFill>
+                <a:latin typeface="+mn-lt"/>
+                <a:ea typeface="+mn-ea"/>
+                <a:cs typeface="+mn-cs"/>
+              </a:defRPr>
+            </a:lvl9pPr>
+          </a:lstStyle>
+          <a:p>
+            <a:r>
+              <a:rPr lang="en-US" sz="3200" dirty="0" smtClean="0"/>
+              <a:t>“</a:t>
+            </a:r>
+            <a:r>
+              <a:rPr lang="en-US" sz="3200" dirty="0" err="1" smtClean="0"/>
+              <a:t>Tấn</a:t>
+            </a:r>
+            <a:r>
+              <a:rPr lang="en-US" sz="3200" dirty="0" smtClean="0"/>
+              <a:t> </a:t>
+            </a:r>
+            <a:r>
+              <a:rPr lang="en-US" sz="3200" dirty="0" err="1"/>
+              <a:t>công</a:t>
+            </a:r>
+            <a:r>
+              <a:rPr lang="en-US" sz="3200" dirty="0"/>
+              <a:t> </a:t>
+            </a:r>
+            <a:r>
+              <a:rPr lang="en-US" sz="3200" dirty="0" err="1"/>
+              <a:t>giúp</a:t>
+            </a:r>
+            <a:r>
+              <a:rPr lang="en-US" sz="3200" dirty="0"/>
+              <a:t> </a:t>
+            </a:r>
+            <a:r>
+              <a:rPr lang="en-US" sz="3200" dirty="0" err="1"/>
+              <a:t>bạn</a:t>
+            </a:r>
+            <a:r>
+              <a:rPr lang="en-US" sz="3200" dirty="0"/>
+              <a:t> </a:t>
+            </a:r>
+            <a:r>
+              <a:rPr lang="en-US" sz="3200" dirty="0" err="1"/>
+              <a:t>thắng</a:t>
+            </a:r>
+            <a:r>
+              <a:rPr lang="en-US" sz="3200" dirty="0"/>
+              <a:t> </a:t>
+            </a:r>
+            <a:r>
+              <a:rPr lang="en-US" sz="3200" dirty="0" err="1"/>
+              <a:t>các</a:t>
+            </a:r>
+            <a:r>
+              <a:rPr lang="en-US" sz="3200" dirty="0"/>
+              <a:t> </a:t>
+            </a:r>
+            <a:r>
+              <a:rPr lang="en-US" sz="3200" dirty="0" err="1"/>
+              <a:t>trận</a:t>
+            </a:r>
+            <a:r>
+              <a:rPr lang="en-US" sz="3200" dirty="0"/>
+              <a:t> </a:t>
+            </a:r>
+            <a:r>
+              <a:rPr lang="en-US" sz="3200" dirty="0" err="1" smtClean="0"/>
+              <a:t>đấu</a:t>
+            </a:r>
+            <a:endParaRPr lang="en-US" sz="3200" dirty="0" smtClean="0"/>
+          </a:p>
+          <a:p>
+            <a:r>
+              <a:rPr lang="en-US" sz="3200" dirty="0" err="1" smtClean="0"/>
+              <a:t>còn</a:t>
+            </a:r>
+            <a:r>
+              <a:rPr lang="en-US" sz="3200" dirty="0" smtClean="0"/>
+              <a:t> </a:t>
+            </a:r>
+            <a:r>
+              <a:rPr lang="en-US" sz="3200" dirty="0" err="1"/>
+              <a:t>phòng</a:t>
+            </a:r>
+            <a:r>
+              <a:rPr lang="en-US" sz="3200" dirty="0"/>
+              <a:t> </a:t>
+            </a:r>
+            <a:r>
+              <a:rPr lang="en-US" sz="3200" dirty="0" err="1"/>
+              <a:t>thủ</a:t>
+            </a:r>
+            <a:r>
+              <a:rPr lang="en-US" sz="3200" dirty="0"/>
+              <a:t> </a:t>
+            </a:r>
+            <a:r>
+              <a:rPr lang="en-US" sz="3200" dirty="0" err="1"/>
+              <a:t>mang</a:t>
+            </a:r>
+            <a:r>
+              <a:rPr lang="en-US" sz="3200" dirty="0"/>
+              <a:t> lại danh </a:t>
+            </a:r>
+            <a:r>
+              <a:rPr lang="en-US" sz="3200" dirty="0" err="1" smtClean="0"/>
+              <a:t>hiệu</a:t>
+            </a:r>
+            <a:r>
+              <a:rPr lang="en-US" sz="3200" dirty="0" smtClean="0"/>
+              <a:t>”</a:t>
+            </a:r>
+          </a:p>
+          <a:p>
+            <a:r>
+              <a:rPr lang="en-US" sz="3200" dirty="0" smtClean="0"/>
+              <a:t>Sir </a:t>
+            </a:r>
+            <a:r>
+              <a:rPr lang="en-US" sz="3200" dirty="0"/>
+              <a:t>Alex Ferguson</a:t>
+            </a:r>
           </a:p>
         </p:txBody>
       </p:sp>
     </p:spTree>
     <p:extLst>
       <p:ext uri="{BB962C8B-B14F-4D97-AF65-F5344CB8AC3E}">
-        <p14:creationId xmlns:p14="http://schemas.microsoft.com/office/powerpoint/2010/main" val="3106101592"/>
+        <p14:creationId xmlns:p14="http://schemas.microsoft.com/office/powerpoint/2010/main" val="997891583"/>
       </p:ext>
     </p:extLst>
   </p:cSld>
   <p:clrMapOvr>
     <a:masterClrMapping/>
   </p:clrMapOvr>
+  <p:timing>
+    <p:tnLst>
+      <p:par>
+        <p:cTn id="1" dur="indefinite" restart="never" nodeType="tmRoot"/>
+      </p:par>
+    </p:tnLst>
+  </p:timing>
 </p:sld>
 </file>
 
@@ -3929,6 +3979,13 @@
   <p:clrMapOvr>
     <a:masterClrMapping/>
   </p:clrMapOvr>
+  <p:timing>
+    <p:tnLst>
+      <p:par>
+        <p:cTn id="1" dur="indefinite" restart="never" nodeType="tmRoot"/>
+      </p:par>
+    </p:tnLst>
+  </p:timing>
 </p:sld>
 </file>
 
@@ -3975,7 +4032,7 @@
         </p:nvSpPr>
         <p:spPr>
           <a:xfrm>
-            <a:off x="1628931" y="3761533"/>
+            <a:off x="1653869" y="3736595"/>
             <a:ext cx="9463790" cy="1158240"/>
           </a:xfrm>
         </p:spPr>
@@ -4030,6 +4087,13 @@
   <p:clrMapOvr>
     <a:masterClrMapping/>
   </p:clrMapOvr>
+  <p:timing>
+    <p:tnLst>
+      <p:par>
+        <p:cTn id="1" dur="indefinite" restart="never" nodeType="tmRoot"/>
+      </p:par>
+    </p:tnLst>
+  </p:timing>
 </p:sld>
 </file>
 
@@ -4174,8 +4238,8 @@
         </p:blipFill>
         <p:spPr>
           <a:xfrm>
-            <a:off x="2297766" y="1802942"/>
-            <a:ext cx="5409783" cy="2908092"/>
+            <a:off x="2338466" y="1788033"/>
+            <a:ext cx="5489004" cy="2908092"/>
           </a:xfrm>
           <a:prstGeom prst="rect">
             <a:avLst/>
@@ -4282,6 +4346,246 @@
   <p:clrMapOvr>
     <a:masterClrMapping/>
   </p:clrMapOvr>
+  <p:timing>
+    <p:tnLst>
+      <p:par>
+        <p:cTn id="1" dur="indefinite" restart="never" nodeType="tmRoot"/>
+      </p:par>
+    </p:tnLst>
+  </p:timing>
+</p:sld>
+</file>
+
+<file path=ppt/slides/slide15.xml><?xml version="1.0" encoding="utf-8"?>
+<p:sld xmlns:a="http://schemas.openxmlformats.org/drawingml/2006/main" xmlns:r="http://schemas.openxmlformats.org/officeDocument/2006/relationships" xmlns:p="http://schemas.openxmlformats.org/presentationml/2006/main" showMasterSp="0">
+  <p:cSld>
+    <p:bg>
+      <p:bgPr>
+        <a:blipFill dpi="0" rotWithShape="1">
+          <a:blip r:embed="rId2">
+            <a:lum/>
+          </a:blip>
+          <a:srcRect/>
+          <a:stretch>
+            <a:fillRect t="-39000" b="-39000"/>
+          </a:stretch>
+        </a:blipFill>
+        <a:effectLst/>
+      </p:bgPr>
+    </p:bg>
+    <p:spTree>
+      <p:nvGrpSpPr>
+        <p:cNvPr id="1" name=""/>
+        <p:cNvGrpSpPr/>
+        <p:nvPr/>
+      </p:nvGrpSpPr>
+      <p:grpSpPr>
+        <a:xfrm>
+          <a:off x="0" y="0"/>
+          <a:ext cx="0" cy="0"/>
+          <a:chOff x="0" y="0"/>
+          <a:chExt cx="0" cy="0"/>
+        </a:xfrm>
+      </p:grpSpPr>
+      <p:sp>
+        <p:nvSpPr>
+          <p:cNvPr id="2" name="Title 1"/>
+          <p:cNvSpPr>
+            <a:spLocks noGrp="1"/>
+          </p:cNvSpPr>
+          <p:nvPr>
+            <p:ph type="ctrTitle"/>
+          </p:nvPr>
+        </p:nvSpPr>
+        <p:spPr>
+          <a:xfrm>
+            <a:off x="1194217" y="418726"/>
+            <a:ext cx="9144000" cy="1158240"/>
+          </a:xfrm>
+        </p:spPr>
+        <p:txBody>
+          <a:bodyPr/>
+          <a:lstStyle/>
+          <a:p>
+            <a:r>
+              <a:rPr lang="en-US" dirty="0" err="1" smtClean="0"/>
+              <a:t>Cảm</a:t>
+            </a:r>
+            <a:r>
+              <a:rPr lang="en-US" dirty="0" smtClean="0"/>
+              <a:t> </a:t>
+            </a:r>
+            <a:r>
+              <a:rPr lang="en-US" dirty="0" err="1" smtClean="0"/>
+              <a:t>ơn</a:t>
+            </a:r>
+            <a:r>
+              <a:rPr lang="en-US" dirty="0" smtClean="0"/>
+              <a:t>:</a:t>
+            </a:r>
+            <a:endParaRPr lang="en-US" dirty="0"/>
+          </a:p>
+        </p:txBody>
+      </p:sp>
+      <p:sp>
+        <p:nvSpPr>
+          <p:cNvPr id="9" name="Subtitle 8"/>
+          <p:cNvSpPr>
+            <a:spLocks noGrp="1"/>
+          </p:cNvSpPr>
+          <p:nvPr>
+            <p:ph type="subTitle" idx="1"/>
+          </p:nvPr>
+        </p:nvSpPr>
+        <p:spPr>
+          <a:xfrm>
+            <a:off x="1321722" y="5370020"/>
+            <a:ext cx="9376757" cy="457201"/>
+          </a:xfrm>
+        </p:spPr>
+        <p:txBody>
+          <a:bodyPr>
+            <a:noAutofit/>
+          </a:bodyPr>
+          <a:lstStyle/>
+          <a:p>
+            <a:r>
+              <a:rPr lang="en-US" sz="3200" dirty="0" err="1" smtClean="0"/>
+              <a:t>Hãy</a:t>
+            </a:r>
+            <a:r>
+              <a:rPr lang="en-US" sz="3200" dirty="0" smtClean="0"/>
+              <a:t> </a:t>
+            </a:r>
+            <a:r>
+              <a:rPr lang="en-US" sz="3200" dirty="0" err="1" smtClean="0"/>
+              <a:t>Thêm</a:t>
+            </a:r>
+            <a:r>
+              <a:rPr lang="en-US" sz="3200" dirty="0" smtClean="0"/>
+              <a:t> 1 star </a:t>
+            </a:r>
+            <a:r>
+              <a:rPr lang="en-US" sz="3200" dirty="0" err="1" smtClean="0"/>
+              <a:t>cho</a:t>
+            </a:r>
+            <a:r>
+              <a:rPr lang="en-US" sz="3200" dirty="0" smtClean="0"/>
+              <a:t> </a:t>
+            </a:r>
+            <a:r>
+              <a:rPr lang="en-US" sz="3200" dirty="0" err="1" smtClean="0"/>
+              <a:t>em</a:t>
+            </a:r>
+            <a:r>
+              <a:rPr lang="en-US" sz="3200" dirty="0" smtClean="0"/>
+              <a:t> </a:t>
+            </a:r>
+            <a:r>
+              <a:rPr lang="en-US" sz="3200" dirty="0" err="1" smtClean="0"/>
+              <a:t>có</a:t>
+            </a:r>
+            <a:r>
+              <a:rPr lang="en-US" sz="3200" dirty="0" smtClean="0"/>
+              <a:t> </a:t>
+            </a:r>
+            <a:r>
+              <a:rPr lang="en-US" sz="3200" dirty="0" err="1" smtClean="0"/>
+              <a:t>thêm</a:t>
+            </a:r>
+            <a:r>
+              <a:rPr lang="en-US" sz="3200" dirty="0" smtClean="0"/>
+              <a:t> </a:t>
+            </a:r>
+            <a:r>
+              <a:rPr lang="en-US" sz="3200" dirty="0" err="1" smtClean="0"/>
+              <a:t>cảm</a:t>
+            </a:r>
+            <a:r>
+              <a:rPr lang="en-US" sz="3200" dirty="0" smtClean="0"/>
+              <a:t> </a:t>
+            </a:r>
+            <a:r>
+              <a:rPr lang="en-US" sz="3200" dirty="0" err="1" smtClean="0"/>
+              <a:t>hứng</a:t>
+            </a:r>
+            <a:r>
+              <a:rPr lang="en-US" sz="3200" dirty="0" smtClean="0"/>
+              <a:t> </a:t>
+            </a:r>
+            <a:r>
+              <a:rPr lang="en-US" sz="3200" dirty="0" err="1" smtClean="0"/>
+              <a:t>làm</a:t>
+            </a:r>
+            <a:r>
+              <a:rPr lang="en-US" sz="3200" dirty="0" smtClean="0"/>
+              <a:t> </a:t>
+            </a:r>
+            <a:r>
+              <a:rPr lang="en-US" sz="3200" dirty="0" err="1" smtClean="0"/>
+              <a:t>việc</a:t>
+            </a:r>
+            <a:r>
+              <a:rPr lang="en-US" sz="3200" dirty="0" smtClean="0"/>
+              <a:t> </a:t>
+            </a:r>
+            <a:r>
+              <a:rPr lang="en-US" sz="3200" dirty="0" smtClean="0">
+                <a:sym typeface="Wingdings" panose="05000000000000000000" pitchFamily="2" charset="2"/>
+              </a:rPr>
+              <a:t></a:t>
+            </a:r>
+            <a:endParaRPr lang="en-US" sz="3200" dirty="0"/>
+          </a:p>
+        </p:txBody>
+      </p:sp>
+      <p:pic>
+        <p:nvPicPr>
+          <p:cNvPr id="10" name="Picture 9"/>
+          <p:cNvPicPr>
+            <a:picLocks noChangeAspect="1"/>
+          </p:cNvPicPr>
+          <p:nvPr/>
+        </p:nvPicPr>
+        <p:blipFill>
+          <a:blip r:embed="rId3" cstate="print">
+            <a:extLst>
+              <a:ext uri="{28A0092B-C50C-407E-A947-70E740481C1C}">
+                <a14:useLocalDpi xmlns:a14="http://schemas.microsoft.com/office/drawing/2010/main" val="0"/>
+              </a:ext>
+            </a:extLst>
+          </a:blip>
+          <a:stretch>
+            <a:fillRect/>
+          </a:stretch>
+        </p:blipFill>
+        <p:spPr>
+          <a:xfrm>
+            <a:off x="4281055" y="1802635"/>
+            <a:ext cx="3233652" cy="3233652"/>
+          </a:xfrm>
+          <a:prstGeom prst="rect">
+            <a:avLst/>
+          </a:prstGeom>
+        </p:spPr>
+      </p:pic>
+    </p:spTree>
+    <p:extLst>
+      <p:ext uri="{BB962C8B-B14F-4D97-AF65-F5344CB8AC3E}">
+        <p14:creationId xmlns:p14="http://schemas.microsoft.com/office/powerpoint/2010/main" val="609653333"/>
+      </p:ext>
+    </p:extLst>
+  </p:cSld>
+  <p:clrMapOvr>
+    <a:masterClrMapping/>
+  </p:clrMapOvr>
+  <p:timing>
+    <p:tnLst>
+      <p:par>
+        <p:cTn id="1" dur="indefinite" restart="never" nodeType="tmRoot"/>
+      </p:par>
+    </p:tnLst>
+  </p:timing>
 </p:sld>
 </file>
 
@@ -4451,6 +4755,13 @@
   <p:clrMapOvr>
     <a:masterClrMapping/>
   </p:clrMapOvr>
+  <p:timing>
+    <p:tnLst>
+      <p:par>
+        <p:cTn id="1" dur="indefinite" restart="never" nodeType="tmRoot"/>
+      </p:par>
+    </p:tnLst>
+  </p:timing>
 </p:sld>
 </file>
 
@@ -4525,6 +4836,13 @@
   <p:clrMapOvr>
     <a:masterClrMapping/>
   </p:clrMapOvr>
+  <p:timing>
+    <p:tnLst>
+      <p:par>
+        <p:cTn id="1" dur="indefinite" restart="never" nodeType="tmRoot"/>
+      </p:par>
+    </p:tnLst>
+  </p:timing>
 </p:sld>
 </file>
 
@@ -4631,6 +4949,13 @@
   <p:clrMapOvr>
     <a:masterClrMapping/>
   </p:clrMapOvr>
+  <p:timing>
+    <p:tnLst>
+      <p:par>
+        <p:cTn id="1" dur="indefinite" restart="never" nodeType="tmRoot"/>
+      </p:par>
+    </p:tnLst>
+  </p:timing>
 </p:sld>
 </file>
 
@@ -4834,6 +5159,13 @@
   <p:clrMapOvr>
     <a:masterClrMapping/>
   </p:clrMapOvr>
+  <p:timing>
+    <p:tnLst>
+      <p:par>
+        <p:cTn id="1" dur="indefinite" restart="never" nodeType="tmRoot"/>
+      </p:par>
+    </p:tnLst>
+  </p:timing>
 </p:sld>
 </file>
 
@@ -5128,7 +5460,15 @@
                   <a:srgbClr val="FFFF00"/>
                 </a:solidFill>
               </a:rPr>
-              <a:t>TIN HỌC + CÔNG NGHỆ</a:t>
+              <a:t>TIN HỌC </a:t>
+            </a:r>
+            <a:r>
+              <a:rPr lang="en-US" sz="3200" b="1" dirty="0" smtClean="0">
+                <a:solidFill>
+                  <a:srgbClr val="FFFF00"/>
+                </a:solidFill>
+              </a:rPr>
+              <a:t>+ NGOẠI NGỮ</a:t>
             </a:r>
             <a:endParaRPr lang="en-US" sz="3200" b="1" dirty="0">
               <a:solidFill>
@@ -5444,6 +5784,13 @@
   <p:clrMapOvr>
     <a:masterClrMapping/>
   </p:clrMapOvr>
+  <p:timing>
+    <p:tnLst>
+      <p:par>
+        <p:cTn id="1" dur="indefinite" restart="never" nodeType="tmRoot"/>
+      </p:par>
+    </p:tnLst>
+  </p:timing>
 </p:sld>
 </file>
 
@@ -5480,18 +5827,46 @@
       </p:grpSpPr>
       <p:sp>
         <p:nvSpPr>
-          <p:cNvPr id="3" name="Subtitle 2"/>
-          <p:cNvSpPr>
-            <a:spLocks noGrp="1"/>
-          </p:cNvSpPr>
-          <p:nvPr>
-            <p:ph type="subTitle" idx="1"/>
+          <p:cNvPr id="2" name="Title 1"/>
+          <p:cNvSpPr>
+            <a:spLocks noGrp="1"/>
+          </p:cNvSpPr>
+          <p:nvPr>
+            <p:ph type="ctrTitle"/>
           </p:nvPr>
         </p:nvSpPr>
         <p:spPr>
           <a:xfrm>
-            <a:off x="8214611" y="633334"/>
-            <a:ext cx="3777520" cy="828832"/>
+            <a:off x="1299148" y="2787171"/>
+            <a:ext cx="9144000" cy="1158240"/>
+          </a:xfrm>
+        </p:spPr>
+        <p:txBody>
+          <a:bodyPr/>
+          <a:lstStyle/>
+          <a:p>
+            <a:r>
+              <a:rPr lang="en-US" dirty="0" smtClean="0"/>
+              <a:t>JUST DO IT!</a:t>
+            </a:r>
+            <a:endParaRPr lang="en-US" dirty="0"/>
+          </a:p>
+        </p:txBody>
+      </p:sp>
+      <p:sp>
+        <p:nvSpPr>
+          <p:cNvPr id="3" name="Subtitle 2"/>
+          <p:cNvSpPr>
+            <a:spLocks noGrp="1"/>
+          </p:cNvSpPr>
+          <p:nvPr>
+            <p:ph type="subTitle" idx="1"/>
+          </p:nvPr>
+        </p:nvSpPr>
+        <p:spPr>
+          <a:xfrm>
+            <a:off x="1449049" y="5265946"/>
+            <a:ext cx="9144000" cy="505267"/>
           </a:xfrm>
         </p:spPr>
         <p:txBody>
@@ -5501,1458 +5876,50 @@
           <a:lstStyle/>
           <a:p>
             <a:r>
-              <a:rPr lang="en-US" sz="2800" dirty="0" smtClean="0"/>
-              <a:t>1.Khó </a:t>
-            </a:r>
-            <a:r>
-              <a:rPr lang="en-US" sz="2800" dirty="0" err="1" smtClean="0"/>
-              <a:t>khăn</a:t>
-            </a:r>
-            <a:r>
-              <a:rPr lang="en-US" sz="2800" dirty="0" smtClean="0"/>
-              <a:t> = HỌC TẬP</a:t>
-            </a:r>
-            <a:br>
-              <a:rPr lang="en-US" sz="2800" dirty="0" smtClean="0"/>
-            </a:br>
-            <a:r>
-              <a:rPr lang="en-US" sz="2800" dirty="0" smtClean="0"/>
-              <a:t>|</a:t>
-            </a:r>
-            <a:r>
-              <a:rPr lang="en-US" sz="2800" dirty="0" err="1" smtClean="0"/>
-              <a:t>chuẩn</a:t>
-            </a:r>
-            <a:r>
-              <a:rPr lang="en-US" sz="2800" dirty="0" smtClean="0"/>
-              <a:t> bị </a:t>
-            </a:r>
-            <a:r>
-              <a:rPr lang="en-US" sz="2800" dirty="0" err="1" smtClean="0"/>
-              <a:t>cho</a:t>
-            </a:r>
-            <a:r>
-              <a:rPr lang="en-US" sz="2800" dirty="0" smtClean="0"/>
-              <a:t> </a:t>
-            </a:r>
-            <a:r>
-              <a:rPr lang="en-US" sz="2800" dirty="0" err="1" smtClean="0"/>
-              <a:t>mùa</a:t>
-            </a:r>
-            <a:r>
-              <a:rPr lang="en-US" sz="2800" dirty="0" smtClean="0"/>
-              <a:t> </a:t>
-            </a:r>
-            <a:r>
-              <a:rPr lang="en-US" sz="2800" dirty="0" err="1" smtClean="0"/>
-              <a:t>xuân</a:t>
-            </a:r>
-            <a:endParaRPr lang="en-US" sz="2800" dirty="0"/>
-          </a:p>
-        </p:txBody>
-      </p:sp>
-      <p:pic>
-        <p:nvPicPr>
-          <p:cNvPr id="4" name="Picture 3"/>
-          <p:cNvPicPr>
-            <a:picLocks noChangeAspect="1"/>
-          </p:cNvPicPr>
-          <p:nvPr/>
-        </p:nvPicPr>
-        <p:blipFill>
-          <a:blip r:embed="rId3">
-            <a:extLst>
-              <a:ext uri="{28A0092B-C50C-407E-A947-70E740481C1C}">
-                <a14:useLocalDpi xmlns:a14="http://schemas.microsoft.com/office/drawing/2010/main" val="0"/>
-              </a:ext>
-            </a:extLst>
-          </a:blip>
-          <a:stretch>
-            <a:fillRect/>
-          </a:stretch>
-        </p:blipFill>
-        <p:spPr>
-          <a:xfrm>
-            <a:off x="3582649" y="1047750"/>
-            <a:ext cx="4766872" cy="4762500"/>
-          </a:xfrm>
-          <a:prstGeom prst="rect">
-            <a:avLst/>
-          </a:prstGeom>
-        </p:spPr>
-      </p:pic>
-      <p:sp>
-        <p:nvSpPr>
-          <p:cNvPr id="5" name="Subtitle 2"/>
-          <p:cNvSpPr txBox="1">
-            <a:spLocks/>
-          </p:cNvSpPr>
-          <p:nvPr/>
-        </p:nvSpPr>
-        <p:spPr>
-          <a:xfrm>
-            <a:off x="204866" y="5202991"/>
-            <a:ext cx="3377783" cy="828832"/>
-          </a:xfrm>
-          <a:prstGeom prst="rect">
-            <a:avLst/>
-          </a:prstGeom>
-        </p:spPr>
-        <p:txBody>
-          <a:bodyPr vert="horz" lIns="91440" tIns="45720" rIns="91440" bIns="45720" rtlCol="0">
-            <a:noAutofit/>
-          </a:bodyPr>
-          <a:lstStyle>
-            <a:lvl1pPr marL="0" indent="0" algn="ctr" defTabSz="914400" rtl="0" eaLnBrk="1" latinLnBrk="0" hangingPunct="1">
-              <a:lnSpc>
-                <a:spcPct val="90000"/>
-              </a:lnSpc>
-              <a:spcBef>
-                <a:spcPts val="1000"/>
-              </a:spcBef>
-              <a:buFont typeface="Arial" panose="020B0604020202020204" pitchFamily="34" charset="0"/>
-              <a:buNone/>
-              <a:defRPr sz="2400" kern="1200">
-                <a:solidFill>
-                  <a:schemeClr val="tx1"/>
-                </a:solidFill>
-                <a:latin typeface="+mn-lt"/>
-                <a:ea typeface="+mn-ea"/>
-                <a:cs typeface="+mn-cs"/>
-              </a:defRPr>
-            </a:lvl1pPr>
-            <a:lvl2pPr marL="457200" indent="0" algn="ctr" defTabSz="914400" rtl="0" eaLnBrk="1" latinLnBrk="0" hangingPunct="1">
-              <a:lnSpc>
-                <a:spcPct val="90000"/>
-              </a:lnSpc>
-              <a:spcBef>
-                <a:spcPts val="500"/>
-              </a:spcBef>
-              <a:buFont typeface="Arial" panose="020B0604020202020204" pitchFamily="34" charset="0"/>
-              <a:buNone/>
-              <a:defRPr sz="2000" kern="1200">
-                <a:solidFill>
-                  <a:schemeClr val="tx1"/>
-                </a:solidFill>
-                <a:latin typeface="+mn-lt"/>
-                <a:ea typeface="+mn-ea"/>
-                <a:cs typeface="+mn-cs"/>
-              </a:defRPr>
-            </a:lvl2pPr>
-            <a:lvl3pPr marL="914400" indent="0" algn="ctr" defTabSz="914400" rtl="0" eaLnBrk="1" latinLnBrk="0" hangingPunct="1">
-              <a:lnSpc>
-                <a:spcPct val="90000"/>
-              </a:lnSpc>
-              <a:spcBef>
-                <a:spcPts val="500"/>
-              </a:spcBef>
-              <a:buFont typeface="Arial" panose="020B0604020202020204" pitchFamily="34" charset="0"/>
-              <a:buNone/>
-              <a:defRPr sz="1800" kern="1200">
-                <a:solidFill>
-                  <a:schemeClr val="tx1"/>
-                </a:solidFill>
-                <a:latin typeface="+mn-lt"/>
-                <a:ea typeface="+mn-ea"/>
-                <a:cs typeface="+mn-cs"/>
-              </a:defRPr>
-            </a:lvl3pPr>
-            <a:lvl4pPr marL="1371600" indent="0" algn="ctr" defTabSz="914400" rtl="0" eaLnBrk="1" latinLnBrk="0" hangingPunct="1">
-              <a:lnSpc>
-                <a:spcPct val="90000"/>
-              </a:lnSpc>
-              <a:spcBef>
-                <a:spcPts val="500"/>
-              </a:spcBef>
-              <a:buFont typeface="Arial" panose="020B0604020202020204" pitchFamily="34" charset="0"/>
-              <a:buNone/>
-              <a:defRPr sz="1600" kern="1200">
-                <a:solidFill>
-                  <a:schemeClr val="tx1"/>
-                </a:solidFill>
-                <a:latin typeface="+mn-lt"/>
-                <a:ea typeface="+mn-ea"/>
-                <a:cs typeface="+mn-cs"/>
-              </a:defRPr>
-            </a:lvl4pPr>
-            <a:lvl5pPr marL="1828800" indent="0" algn="ctr" defTabSz="914400" rtl="0" eaLnBrk="1" latinLnBrk="0" hangingPunct="1">
-              <a:lnSpc>
-                <a:spcPct val="90000"/>
-              </a:lnSpc>
-              <a:spcBef>
-                <a:spcPts val="500"/>
-              </a:spcBef>
-              <a:buFont typeface="Arial" panose="020B0604020202020204" pitchFamily="34" charset="0"/>
-              <a:buNone/>
-              <a:defRPr sz="1600" kern="1200">
-                <a:solidFill>
-                  <a:schemeClr val="tx1"/>
-                </a:solidFill>
-                <a:latin typeface="+mn-lt"/>
-                <a:ea typeface="+mn-ea"/>
-                <a:cs typeface="+mn-cs"/>
-              </a:defRPr>
-            </a:lvl5pPr>
-            <a:lvl6pPr marL="2286000" indent="0" algn="ctr" defTabSz="914400" rtl="0" eaLnBrk="1" latinLnBrk="0" hangingPunct="1">
-              <a:lnSpc>
-                <a:spcPct val="90000"/>
-              </a:lnSpc>
-              <a:spcBef>
-                <a:spcPts val="500"/>
-              </a:spcBef>
-              <a:buFont typeface="Arial" panose="020B0604020202020204" pitchFamily="34" charset="0"/>
-              <a:buNone/>
-              <a:defRPr sz="1600" kern="1200">
-                <a:solidFill>
-                  <a:schemeClr val="tx1"/>
-                </a:solidFill>
-                <a:latin typeface="+mn-lt"/>
-                <a:ea typeface="+mn-ea"/>
-                <a:cs typeface="+mn-cs"/>
-              </a:defRPr>
-            </a:lvl6pPr>
-            <a:lvl7pPr marL="2743200" indent="0" algn="ctr" defTabSz="914400" rtl="0" eaLnBrk="1" latinLnBrk="0" hangingPunct="1">
-              <a:lnSpc>
-                <a:spcPct val="90000"/>
-              </a:lnSpc>
-              <a:spcBef>
-                <a:spcPts val="500"/>
-              </a:spcBef>
-              <a:buFont typeface="Arial" panose="020B0604020202020204" pitchFamily="34" charset="0"/>
-              <a:buNone/>
-              <a:defRPr sz="1600" kern="1200">
-                <a:solidFill>
-                  <a:schemeClr val="tx1"/>
-                </a:solidFill>
-                <a:latin typeface="+mn-lt"/>
-                <a:ea typeface="+mn-ea"/>
-                <a:cs typeface="+mn-cs"/>
-              </a:defRPr>
-            </a:lvl7pPr>
-            <a:lvl8pPr marL="3200400" indent="0" algn="ctr" defTabSz="914400" rtl="0" eaLnBrk="1" latinLnBrk="0" hangingPunct="1">
-              <a:lnSpc>
-                <a:spcPct val="90000"/>
-              </a:lnSpc>
-              <a:spcBef>
-                <a:spcPts val="500"/>
-              </a:spcBef>
-              <a:buFont typeface="Arial" panose="020B0604020202020204" pitchFamily="34" charset="0"/>
-              <a:buNone/>
-              <a:defRPr sz="1600" kern="1200">
-                <a:solidFill>
-                  <a:schemeClr val="tx1"/>
-                </a:solidFill>
-                <a:latin typeface="+mn-lt"/>
-                <a:ea typeface="+mn-ea"/>
-                <a:cs typeface="+mn-cs"/>
-              </a:defRPr>
-            </a:lvl8pPr>
-            <a:lvl9pPr marL="3657600" indent="0" algn="ctr" defTabSz="914400" rtl="0" eaLnBrk="1" latinLnBrk="0" hangingPunct="1">
-              <a:lnSpc>
-                <a:spcPct val="90000"/>
-              </a:lnSpc>
-              <a:spcBef>
-                <a:spcPts val="500"/>
-              </a:spcBef>
-              <a:buFont typeface="Arial" panose="020B0604020202020204" pitchFamily="34" charset="0"/>
-              <a:buNone/>
-              <a:defRPr sz="1600" kern="1200">
-                <a:solidFill>
-                  <a:schemeClr val="tx1"/>
-                </a:solidFill>
-                <a:latin typeface="+mn-lt"/>
-                <a:ea typeface="+mn-ea"/>
-                <a:cs typeface="+mn-cs"/>
-              </a:defRPr>
-            </a:lvl9pPr>
-          </a:lstStyle>
-          <a:p>
-            <a:pPr algn="l"/>
-            <a:r>
-              <a:rPr lang="en-US" sz="2800" dirty="0" smtClean="0"/>
-              <a:t>3. BẢO VỆ</a:t>
-            </a:r>
-          </a:p>
-          <a:p>
-            <a:pPr algn="l"/>
-            <a:r>
-              <a:rPr lang="en-US" sz="2800" dirty="0" err="1"/>
-              <a:t>c</a:t>
-            </a:r>
-            <a:r>
-              <a:rPr lang="en-US" sz="2800" dirty="0" err="1" smtClean="0"/>
-              <a:t>hống</a:t>
-            </a:r>
-            <a:r>
-              <a:rPr lang="en-US" sz="2800" dirty="0" smtClean="0"/>
-              <a:t> lại kẻ </a:t>
-            </a:r>
-            <a:r>
-              <a:rPr lang="en-US" sz="2800" dirty="0" err="1" smtClean="0"/>
-              <a:t>thù</a:t>
-            </a:r>
-            <a:r>
-              <a:rPr lang="en-US" sz="2800" dirty="0" smtClean="0"/>
-              <a:t> </a:t>
-            </a:r>
-            <a:r>
-              <a:rPr lang="en-US" sz="2800" dirty="0" err="1" smtClean="0"/>
-              <a:t>trì</a:t>
-            </a:r>
-            <a:r>
-              <a:rPr lang="en-US" sz="2800" dirty="0" smtClean="0"/>
-              <a:t> </a:t>
-            </a:r>
-            <a:r>
-              <a:rPr lang="en-US" sz="2800" dirty="0" err="1" smtClean="0"/>
-              <a:t>hoãn</a:t>
-            </a:r>
-            <a:endParaRPr lang="en-US" sz="2800" dirty="0"/>
-          </a:p>
-        </p:txBody>
-      </p:sp>
-      <p:sp>
-        <p:nvSpPr>
-          <p:cNvPr id="6" name="Subtitle 2"/>
-          <p:cNvSpPr txBox="1">
-            <a:spLocks/>
-          </p:cNvSpPr>
-          <p:nvPr/>
-        </p:nvSpPr>
-        <p:spPr>
-          <a:xfrm>
-            <a:off x="294807" y="368352"/>
-            <a:ext cx="3377782" cy="1160176"/>
-          </a:xfrm>
-          <a:prstGeom prst="rect">
-            <a:avLst/>
-          </a:prstGeom>
-        </p:spPr>
-        <p:txBody>
-          <a:bodyPr vert="horz" lIns="91440" tIns="45720" rIns="91440" bIns="45720" rtlCol="0">
-            <a:noAutofit/>
-          </a:bodyPr>
-          <a:lstStyle>
-            <a:lvl1pPr marL="0" indent="0" algn="ctr" defTabSz="914400" rtl="0" eaLnBrk="1" latinLnBrk="0" hangingPunct="1">
-              <a:lnSpc>
-                <a:spcPct val="90000"/>
-              </a:lnSpc>
-              <a:spcBef>
-                <a:spcPts val="1000"/>
-              </a:spcBef>
-              <a:buFont typeface="Arial" panose="020B0604020202020204" pitchFamily="34" charset="0"/>
-              <a:buNone/>
-              <a:defRPr sz="2400" kern="1200">
-                <a:solidFill>
-                  <a:schemeClr val="tx1"/>
-                </a:solidFill>
-                <a:latin typeface="+mn-lt"/>
-                <a:ea typeface="+mn-ea"/>
-                <a:cs typeface="+mn-cs"/>
-              </a:defRPr>
-            </a:lvl1pPr>
-            <a:lvl2pPr marL="457200" indent="0" algn="ctr" defTabSz="914400" rtl="0" eaLnBrk="1" latinLnBrk="0" hangingPunct="1">
-              <a:lnSpc>
-                <a:spcPct val="90000"/>
-              </a:lnSpc>
-              <a:spcBef>
-                <a:spcPts val="500"/>
-              </a:spcBef>
-              <a:buFont typeface="Arial" panose="020B0604020202020204" pitchFamily="34" charset="0"/>
-              <a:buNone/>
-              <a:defRPr sz="2000" kern="1200">
-                <a:solidFill>
-                  <a:schemeClr val="tx1"/>
-                </a:solidFill>
-                <a:latin typeface="+mn-lt"/>
-                <a:ea typeface="+mn-ea"/>
-                <a:cs typeface="+mn-cs"/>
-              </a:defRPr>
-            </a:lvl2pPr>
-            <a:lvl3pPr marL="914400" indent="0" algn="ctr" defTabSz="914400" rtl="0" eaLnBrk="1" latinLnBrk="0" hangingPunct="1">
-              <a:lnSpc>
-                <a:spcPct val="90000"/>
-              </a:lnSpc>
-              <a:spcBef>
-                <a:spcPts val="500"/>
-              </a:spcBef>
-              <a:buFont typeface="Arial" panose="020B0604020202020204" pitchFamily="34" charset="0"/>
-              <a:buNone/>
-              <a:defRPr sz="1800" kern="1200">
-                <a:solidFill>
-                  <a:schemeClr val="tx1"/>
-                </a:solidFill>
-                <a:latin typeface="+mn-lt"/>
-                <a:ea typeface="+mn-ea"/>
-                <a:cs typeface="+mn-cs"/>
-              </a:defRPr>
-            </a:lvl3pPr>
-            <a:lvl4pPr marL="1371600" indent="0" algn="ctr" defTabSz="914400" rtl="0" eaLnBrk="1" latinLnBrk="0" hangingPunct="1">
-              <a:lnSpc>
-                <a:spcPct val="90000"/>
-              </a:lnSpc>
-              <a:spcBef>
-                <a:spcPts val="500"/>
-              </a:spcBef>
-              <a:buFont typeface="Arial" panose="020B0604020202020204" pitchFamily="34" charset="0"/>
-              <a:buNone/>
-              <a:defRPr sz="1600" kern="1200">
-                <a:solidFill>
-                  <a:schemeClr val="tx1"/>
-                </a:solidFill>
-                <a:latin typeface="+mn-lt"/>
-                <a:ea typeface="+mn-ea"/>
-                <a:cs typeface="+mn-cs"/>
-              </a:defRPr>
-            </a:lvl4pPr>
-            <a:lvl5pPr marL="1828800" indent="0" algn="ctr" defTabSz="914400" rtl="0" eaLnBrk="1" latinLnBrk="0" hangingPunct="1">
-              <a:lnSpc>
-                <a:spcPct val="90000"/>
-              </a:lnSpc>
-              <a:spcBef>
-                <a:spcPts val="500"/>
-              </a:spcBef>
-              <a:buFont typeface="Arial" panose="020B0604020202020204" pitchFamily="34" charset="0"/>
-              <a:buNone/>
-              <a:defRPr sz="1600" kern="1200">
-                <a:solidFill>
-                  <a:schemeClr val="tx1"/>
-                </a:solidFill>
-                <a:latin typeface="+mn-lt"/>
-                <a:ea typeface="+mn-ea"/>
-                <a:cs typeface="+mn-cs"/>
-              </a:defRPr>
-            </a:lvl5pPr>
-            <a:lvl6pPr marL="2286000" indent="0" algn="ctr" defTabSz="914400" rtl="0" eaLnBrk="1" latinLnBrk="0" hangingPunct="1">
-              <a:lnSpc>
-                <a:spcPct val="90000"/>
-              </a:lnSpc>
-              <a:spcBef>
-                <a:spcPts val="500"/>
-              </a:spcBef>
-              <a:buFont typeface="Arial" panose="020B0604020202020204" pitchFamily="34" charset="0"/>
-              <a:buNone/>
-              <a:defRPr sz="1600" kern="1200">
-                <a:solidFill>
-                  <a:schemeClr val="tx1"/>
-                </a:solidFill>
-                <a:latin typeface="+mn-lt"/>
-                <a:ea typeface="+mn-ea"/>
-                <a:cs typeface="+mn-cs"/>
-              </a:defRPr>
-            </a:lvl6pPr>
-            <a:lvl7pPr marL="2743200" indent="0" algn="ctr" defTabSz="914400" rtl="0" eaLnBrk="1" latinLnBrk="0" hangingPunct="1">
-              <a:lnSpc>
-                <a:spcPct val="90000"/>
-              </a:lnSpc>
-              <a:spcBef>
-                <a:spcPts val="500"/>
-              </a:spcBef>
-              <a:buFont typeface="Arial" panose="020B0604020202020204" pitchFamily="34" charset="0"/>
-              <a:buNone/>
-              <a:defRPr sz="1600" kern="1200">
-                <a:solidFill>
-                  <a:schemeClr val="tx1"/>
-                </a:solidFill>
-                <a:latin typeface="+mn-lt"/>
-                <a:ea typeface="+mn-ea"/>
-                <a:cs typeface="+mn-cs"/>
-              </a:defRPr>
-            </a:lvl7pPr>
-            <a:lvl8pPr marL="3200400" indent="0" algn="ctr" defTabSz="914400" rtl="0" eaLnBrk="1" latinLnBrk="0" hangingPunct="1">
-              <a:lnSpc>
-                <a:spcPct val="90000"/>
-              </a:lnSpc>
-              <a:spcBef>
-                <a:spcPts val="500"/>
-              </a:spcBef>
-              <a:buFont typeface="Arial" panose="020B0604020202020204" pitchFamily="34" charset="0"/>
-              <a:buNone/>
-              <a:defRPr sz="1600" kern="1200">
-                <a:solidFill>
-                  <a:schemeClr val="tx1"/>
-                </a:solidFill>
-                <a:latin typeface="+mn-lt"/>
-                <a:ea typeface="+mn-ea"/>
-                <a:cs typeface="+mn-cs"/>
-              </a:defRPr>
-            </a:lvl8pPr>
-            <a:lvl9pPr marL="3657600" indent="0" algn="ctr" defTabSz="914400" rtl="0" eaLnBrk="1" latinLnBrk="0" hangingPunct="1">
-              <a:lnSpc>
-                <a:spcPct val="90000"/>
-              </a:lnSpc>
-              <a:spcBef>
-                <a:spcPts val="500"/>
-              </a:spcBef>
-              <a:buFont typeface="Arial" panose="020B0604020202020204" pitchFamily="34" charset="0"/>
-              <a:buNone/>
-              <a:defRPr sz="1600" kern="1200">
-                <a:solidFill>
-                  <a:schemeClr val="tx1"/>
-                </a:solidFill>
-                <a:latin typeface="+mn-lt"/>
-                <a:ea typeface="+mn-ea"/>
-                <a:cs typeface="+mn-cs"/>
-              </a:defRPr>
-            </a:lvl9pPr>
-          </a:lstStyle>
-          <a:p>
-            <a:pPr algn="l"/>
-            <a:r>
-              <a:rPr lang="en-US" sz="2800" dirty="0" smtClean="0"/>
-              <a:t>4. THU HOẠCH</a:t>
-            </a:r>
-          </a:p>
-          <a:p>
-            <a:pPr algn="l"/>
-            <a:r>
-              <a:rPr lang="en-US" sz="2800" dirty="0" smtClean="0"/>
-              <a:t>= </a:t>
-            </a:r>
-            <a:r>
-              <a:rPr lang="en-US" sz="2800" dirty="0" err="1" smtClean="0"/>
-              <a:t>ăn</a:t>
-            </a:r>
-            <a:r>
-              <a:rPr lang="en-US" sz="2800" dirty="0" smtClean="0"/>
-              <a:t> </a:t>
-            </a:r>
-            <a:r>
-              <a:rPr lang="en-US" sz="2800" dirty="0" err="1" smtClean="0"/>
-              <a:t>uống</a:t>
-            </a:r>
-            <a:r>
-              <a:rPr lang="en-US" sz="2800" dirty="0" smtClean="0"/>
-              <a:t> + </a:t>
-            </a:r>
-            <a:r>
-              <a:rPr lang="en-US" sz="2800" dirty="0" err="1" smtClean="0"/>
-              <a:t>để</a:t>
-            </a:r>
-            <a:r>
-              <a:rPr lang="en-US" sz="2800" dirty="0" smtClean="0"/>
-              <a:t> </a:t>
-            </a:r>
-            <a:r>
-              <a:rPr lang="en-US" sz="2800" dirty="0" err="1" smtClean="0"/>
-              <a:t>giống</a:t>
-            </a:r>
-            <a:r>
-              <a:rPr lang="en-US" sz="2800" dirty="0" smtClean="0"/>
-              <a:t/>
-            </a:r>
-            <a:br>
-              <a:rPr lang="en-US" sz="2800" dirty="0" smtClean="0"/>
-            </a:br>
-            <a:r>
-              <a:rPr lang="en-US" sz="2800" dirty="0" err="1" smtClean="0"/>
-              <a:t>Mùa</a:t>
-            </a:r>
-            <a:r>
-              <a:rPr lang="en-US" sz="2800" dirty="0" smtClean="0"/>
-              <a:t> </a:t>
-            </a:r>
-            <a:r>
-              <a:rPr lang="en-US" sz="2800" dirty="0" err="1" smtClean="0"/>
-              <a:t>đông</a:t>
-            </a:r>
-            <a:r>
-              <a:rPr lang="en-US" sz="2800" dirty="0" smtClean="0"/>
-              <a:t> </a:t>
-            </a:r>
-            <a:r>
-              <a:rPr lang="en-US" sz="2800" dirty="0" err="1" smtClean="0"/>
-              <a:t>sẽ</a:t>
-            </a:r>
-            <a:r>
-              <a:rPr lang="en-US" sz="2800" dirty="0" smtClean="0"/>
-              <a:t> </a:t>
-            </a:r>
-            <a:r>
-              <a:rPr lang="en-US" sz="2800" dirty="0" err="1" smtClean="0"/>
-              <a:t>đến</a:t>
-            </a:r>
-            <a:endParaRPr lang="en-US" sz="2800" dirty="0"/>
-          </a:p>
-        </p:txBody>
-      </p:sp>
-      <p:sp>
-        <p:nvSpPr>
-          <p:cNvPr id="7" name="Subtitle 2"/>
-          <p:cNvSpPr txBox="1">
-            <a:spLocks/>
-          </p:cNvSpPr>
-          <p:nvPr/>
-        </p:nvSpPr>
-        <p:spPr>
-          <a:xfrm>
-            <a:off x="8349521" y="5202991"/>
-            <a:ext cx="3377783" cy="828832"/>
-          </a:xfrm>
-          <a:prstGeom prst="rect">
-            <a:avLst/>
-          </a:prstGeom>
-        </p:spPr>
-        <p:txBody>
-          <a:bodyPr vert="horz" lIns="91440" tIns="45720" rIns="91440" bIns="45720" rtlCol="0">
-            <a:noAutofit/>
-          </a:bodyPr>
-          <a:lstStyle>
-            <a:lvl1pPr marL="0" indent="0" algn="ctr" defTabSz="914400" rtl="0" eaLnBrk="1" latinLnBrk="0" hangingPunct="1">
-              <a:lnSpc>
-                <a:spcPct val="90000"/>
-              </a:lnSpc>
-              <a:spcBef>
-                <a:spcPts val="1000"/>
-              </a:spcBef>
-              <a:buFont typeface="Arial" panose="020B0604020202020204" pitchFamily="34" charset="0"/>
-              <a:buNone/>
-              <a:defRPr sz="2400" kern="1200">
-                <a:solidFill>
-                  <a:schemeClr val="tx1"/>
-                </a:solidFill>
-                <a:latin typeface="+mn-lt"/>
-                <a:ea typeface="+mn-ea"/>
-                <a:cs typeface="+mn-cs"/>
-              </a:defRPr>
-            </a:lvl1pPr>
-            <a:lvl2pPr marL="457200" indent="0" algn="ctr" defTabSz="914400" rtl="0" eaLnBrk="1" latinLnBrk="0" hangingPunct="1">
-              <a:lnSpc>
-                <a:spcPct val="90000"/>
-              </a:lnSpc>
-              <a:spcBef>
-                <a:spcPts val="500"/>
-              </a:spcBef>
-              <a:buFont typeface="Arial" panose="020B0604020202020204" pitchFamily="34" charset="0"/>
-              <a:buNone/>
-              <a:defRPr sz="2000" kern="1200">
-                <a:solidFill>
-                  <a:schemeClr val="tx1"/>
-                </a:solidFill>
-                <a:latin typeface="+mn-lt"/>
-                <a:ea typeface="+mn-ea"/>
-                <a:cs typeface="+mn-cs"/>
-              </a:defRPr>
-            </a:lvl2pPr>
-            <a:lvl3pPr marL="914400" indent="0" algn="ctr" defTabSz="914400" rtl="0" eaLnBrk="1" latinLnBrk="0" hangingPunct="1">
-              <a:lnSpc>
-                <a:spcPct val="90000"/>
-              </a:lnSpc>
-              <a:spcBef>
-                <a:spcPts val="500"/>
-              </a:spcBef>
-              <a:buFont typeface="Arial" panose="020B0604020202020204" pitchFamily="34" charset="0"/>
-              <a:buNone/>
-              <a:defRPr sz="1800" kern="1200">
-                <a:solidFill>
-                  <a:schemeClr val="tx1"/>
-                </a:solidFill>
-                <a:latin typeface="+mn-lt"/>
-                <a:ea typeface="+mn-ea"/>
-                <a:cs typeface="+mn-cs"/>
-              </a:defRPr>
-            </a:lvl3pPr>
-            <a:lvl4pPr marL="1371600" indent="0" algn="ctr" defTabSz="914400" rtl="0" eaLnBrk="1" latinLnBrk="0" hangingPunct="1">
-              <a:lnSpc>
-                <a:spcPct val="90000"/>
-              </a:lnSpc>
-              <a:spcBef>
-                <a:spcPts val="500"/>
-              </a:spcBef>
-              <a:buFont typeface="Arial" panose="020B0604020202020204" pitchFamily="34" charset="0"/>
-              <a:buNone/>
-              <a:defRPr sz="1600" kern="1200">
-                <a:solidFill>
-                  <a:schemeClr val="tx1"/>
-                </a:solidFill>
-                <a:latin typeface="+mn-lt"/>
-                <a:ea typeface="+mn-ea"/>
-                <a:cs typeface="+mn-cs"/>
-              </a:defRPr>
-            </a:lvl4pPr>
-            <a:lvl5pPr marL="1828800" indent="0" algn="ctr" defTabSz="914400" rtl="0" eaLnBrk="1" latinLnBrk="0" hangingPunct="1">
-              <a:lnSpc>
-                <a:spcPct val="90000"/>
-              </a:lnSpc>
-              <a:spcBef>
-                <a:spcPts val="500"/>
-              </a:spcBef>
-              <a:buFont typeface="Arial" panose="020B0604020202020204" pitchFamily="34" charset="0"/>
-              <a:buNone/>
-              <a:defRPr sz="1600" kern="1200">
-                <a:solidFill>
-                  <a:schemeClr val="tx1"/>
-                </a:solidFill>
-                <a:latin typeface="+mn-lt"/>
-                <a:ea typeface="+mn-ea"/>
-                <a:cs typeface="+mn-cs"/>
-              </a:defRPr>
-            </a:lvl5pPr>
-            <a:lvl6pPr marL="2286000" indent="0" algn="ctr" defTabSz="914400" rtl="0" eaLnBrk="1" latinLnBrk="0" hangingPunct="1">
-              <a:lnSpc>
-                <a:spcPct val="90000"/>
-              </a:lnSpc>
-              <a:spcBef>
-                <a:spcPts val="500"/>
-              </a:spcBef>
-              <a:buFont typeface="Arial" panose="020B0604020202020204" pitchFamily="34" charset="0"/>
-              <a:buNone/>
-              <a:defRPr sz="1600" kern="1200">
-                <a:solidFill>
-                  <a:schemeClr val="tx1"/>
-                </a:solidFill>
-                <a:latin typeface="+mn-lt"/>
-                <a:ea typeface="+mn-ea"/>
-                <a:cs typeface="+mn-cs"/>
-              </a:defRPr>
-            </a:lvl6pPr>
-            <a:lvl7pPr marL="2743200" indent="0" algn="ctr" defTabSz="914400" rtl="0" eaLnBrk="1" latinLnBrk="0" hangingPunct="1">
-              <a:lnSpc>
-                <a:spcPct val="90000"/>
-              </a:lnSpc>
-              <a:spcBef>
-                <a:spcPts val="500"/>
-              </a:spcBef>
-              <a:buFont typeface="Arial" panose="020B0604020202020204" pitchFamily="34" charset="0"/>
-              <a:buNone/>
-              <a:defRPr sz="1600" kern="1200">
-                <a:solidFill>
-                  <a:schemeClr val="tx1"/>
-                </a:solidFill>
-                <a:latin typeface="+mn-lt"/>
-                <a:ea typeface="+mn-ea"/>
-                <a:cs typeface="+mn-cs"/>
-              </a:defRPr>
-            </a:lvl7pPr>
-            <a:lvl8pPr marL="3200400" indent="0" algn="ctr" defTabSz="914400" rtl="0" eaLnBrk="1" latinLnBrk="0" hangingPunct="1">
-              <a:lnSpc>
-                <a:spcPct val="90000"/>
-              </a:lnSpc>
-              <a:spcBef>
-                <a:spcPts val="500"/>
-              </a:spcBef>
-              <a:buFont typeface="Arial" panose="020B0604020202020204" pitchFamily="34" charset="0"/>
-              <a:buNone/>
-              <a:defRPr sz="1600" kern="1200">
-                <a:solidFill>
-                  <a:schemeClr val="tx1"/>
-                </a:solidFill>
-                <a:latin typeface="+mn-lt"/>
-                <a:ea typeface="+mn-ea"/>
-                <a:cs typeface="+mn-cs"/>
-              </a:defRPr>
-            </a:lvl8pPr>
-            <a:lvl9pPr marL="3657600" indent="0" algn="ctr" defTabSz="914400" rtl="0" eaLnBrk="1" latinLnBrk="0" hangingPunct="1">
-              <a:lnSpc>
-                <a:spcPct val="90000"/>
-              </a:lnSpc>
-              <a:spcBef>
-                <a:spcPts val="500"/>
-              </a:spcBef>
-              <a:buFont typeface="Arial" panose="020B0604020202020204" pitchFamily="34" charset="0"/>
-              <a:buNone/>
-              <a:defRPr sz="1600" kern="1200">
-                <a:solidFill>
-                  <a:schemeClr val="tx1"/>
-                </a:solidFill>
-                <a:latin typeface="+mn-lt"/>
-                <a:ea typeface="+mn-ea"/>
-                <a:cs typeface="+mn-cs"/>
-              </a:defRPr>
-            </a:lvl9pPr>
-          </a:lstStyle>
-          <a:p>
-            <a:r>
-              <a:rPr lang="en-US" sz="2800" dirty="0" smtClean="0"/>
-              <a:t>2. </a:t>
-            </a:r>
-            <a:r>
-              <a:rPr lang="en-US" sz="2800" dirty="0" err="1" smtClean="0"/>
-              <a:t>Đâm</a:t>
-            </a:r>
-            <a:r>
-              <a:rPr lang="en-US" sz="2800" dirty="0" smtClean="0"/>
-              <a:t> </a:t>
-            </a:r>
-            <a:r>
-              <a:rPr lang="en-US" sz="2800" dirty="0" err="1" smtClean="0"/>
-              <a:t>trồi</a:t>
-            </a:r>
-            <a:r>
-              <a:rPr lang="en-US" sz="2800" dirty="0" smtClean="0"/>
-              <a:t> </a:t>
-            </a:r>
-            <a:r>
-              <a:rPr lang="en-US" sz="2800" dirty="0" err="1" smtClean="0"/>
-              <a:t>nảy</a:t>
-            </a:r>
-            <a:r>
-              <a:rPr lang="en-US" sz="2800" dirty="0" smtClean="0"/>
-              <a:t> </a:t>
-            </a:r>
-            <a:r>
-              <a:rPr lang="en-US" sz="2800" dirty="0" err="1" smtClean="0"/>
-              <a:t>lộc</a:t>
-            </a:r>
-            <a:r>
-              <a:rPr lang="en-US" sz="2800" dirty="0" smtClean="0"/>
-              <a:t/>
-            </a:r>
-            <a:br>
-              <a:rPr lang="en-US" sz="2800" dirty="0" smtClean="0"/>
-            </a:br>
-            <a:r>
-              <a:rPr lang="en-US" sz="2800" dirty="0" smtClean="0"/>
-              <a:t>GIEO HẠT liên </a:t>
-            </a:r>
-            <a:r>
-              <a:rPr lang="en-US" sz="2800" dirty="0" err="1" smtClean="0"/>
-              <a:t>tục</a:t>
-            </a:r>
-            <a:endParaRPr lang="en-US" sz="2800" dirty="0"/>
-          </a:p>
-        </p:txBody>
-      </p:sp>
-      <p:sp>
-        <p:nvSpPr>
-          <p:cNvPr id="8" name="Subtitle 2"/>
-          <p:cNvSpPr txBox="1">
-            <a:spLocks/>
-          </p:cNvSpPr>
-          <p:nvPr/>
-        </p:nvSpPr>
-        <p:spPr>
-          <a:xfrm>
-            <a:off x="3907436" y="391930"/>
-            <a:ext cx="4072328" cy="414416"/>
-          </a:xfrm>
-          <a:prstGeom prst="rect">
-            <a:avLst/>
-          </a:prstGeom>
-        </p:spPr>
-        <p:txBody>
-          <a:bodyPr vert="horz" lIns="91440" tIns="45720" rIns="91440" bIns="45720" rtlCol="0">
-            <a:noAutofit/>
-          </a:bodyPr>
-          <a:lstStyle>
-            <a:lvl1pPr marL="0" indent="0" algn="ctr" defTabSz="914400" rtl="0" eaLnBrk="1" latinLnBrk="0" hangingPunct="1">
-              <a:lnSpc>
-                <a:spcPct val="90000"/>
-              </a:lnSpc>
-              <a:spcBef>
-                <a:spcPts val="1000"/>
-              </a:spcBef>
-              <a:buFont typeface="Arial" panose="020B0604020202020204" pitchFamily="34" charset="0"/>
-              <a:buNone/>
-              <a:defRPr sz="2400" kern="1200">
-                <a:solidFill>
-                  <a:schemeClr val="tx1"/>
-                </a:solidFill>
-                <a:latin typeface="+mn-lt"/>
-                <a:ea typeface="+mn-ea"/>
-                <a:cs typeface="+mn-cs"/>
-              </a:defRPr>
-            </a:lvl1pPr>
-            <a:lvl2pPr marL="457200" indent="0" algn="ctr" defTabSz="914400" rtl="0" eaLnBrk="1" latinLnBrk="0" hangingPunct="1">
-              <a:lnSpc>
-                <a:spcPct val="90000"/>
-              </a:lnSpc>
-              <a:spcBef>
-                <a:spcPts val="500"/>
-              </a:spcBef>
-              <a:buFont typeface="Arial" panose="020B0604020202020204" pitchFamily="34" charset="0"/>
-              <a:buNone/>
-              <a:defRPr sz="2000" kern="1200">
-                <a:solidFill>
-                  <a:schemeClr val="tx1"/>
-                </a:solidFill>
-                <a:latin typeface="+mn-lt"/>
-                <a:ea typeface="+mn-ea"/>
-                <a:cs typeface="+mn-cs"/>
-              </a:defRPr>
-            </a:lvl2pPr>
-            <a:lvl3pPr marL="914400" indent="0" algn="ctr" defTabSz="914400" rtl="0" eaLnBrk="1" latinLnBrk="0" hangingPunct="1">
-              <a:lnSpc>
-                <a:spcPct val="90000"/>
-              </a:lnSpc>
-              <a:spcBef>
-                <a:spcPts val="500"/>
-              </a:spcBef>
-              <a:buFont typeface="Arial" panose="020B0604020202020204" pitchFamily="34" charset="0"/>
-              <a:buNone/>
-              <a:defRPr sz="1800" kern="1200">
-                <a:solidFill>
-                  <a:schemeClr val="tx1"/>
-                </a:solidFill>
-                <a:latin typeface="+mn-lt"/>
-                <a:ea typeface="+mn-ea"/>
-                <a:cs typeface="+mn-cs"/>
-              </a:defRPr>
-            </a:lvl3pPr>
-            <a:lvl4pPr marL="1371600" indent="0" algn="ctr" defTabSz="914400" rtl="0" eaLnBrk="1" latinLnBrk="0" hangingPunct="1">
-              <a:lnSpc>
-                <a:spcPct val="90000"/>
-              </a:lnSpc>
-              <a:spcBef>
-                <a:spcPts val="500"/>
-              </a:spcBef>
-              <a:buFont typeface="Arial" panose="020B0604020202020204" pitchFamily="34" charset="0"/>
-              <a:buNone/>
-              <a:defRPr sz="1600" kern="1200">
-                <a:solidFill>
-                  <a:schemeClr val="tx1"/>
-                </a:solidFill>
-                <a:latin typeface="+mn-lt"/>
-                <a:ea typeface="+mn-ea"/>
-                <a:cs typeface="+mn-cs"/>
-              </a:defRPr>
-            </a:lvl4pPr>
-            <a:lvl5pPr marL="1828800" indent="0" algn="ctr" defTabSz="914400" rtl="0" eaLnBrk="1" latinLnBrk="0" hangingPunct="1">
-              <a:lnSpc>
-                <a:spcPct val="90000"/>
-              </a:lnSpc>
-              <a:spcBef>
-                <a:spcPts val="500"/>
-              </a:spcBef>
-              <a:buFont typeface="Arial" panose="020B0604020202020204" pitchFamily="34" charset="0"/>
-              <a:buNone/>
-              <a:defRPr sz="1600" kern="1200">
-                <a:solidFill>
-                  <a:schemeClr val="tx1"/>
-                </a:solidFill>
-                <a:latin typeface="+mn-lt"/>
-                <a:ea typeface="+mn-ea"/>
-                <a:cs typeface="+mn-cs"/>
-              </a:defRPr>
-            </a:lvl5pPr>
-            <a:lvl6pPr marL="2286000" indent="0" algn="ctr" defTabSz="914400" rtl="0" eaLnBrk="1" latinLnBrk="0" hangingPunct="1">
-              <a:lnSpc>
-                <a:spcPct val="90000"/>
-              </a:lnSpc>
-              <a:spcBef>
-                <a:spcPts val="500"/>
-              </a:spcBef>
-              <a:buFont typeface="Arial" panose="020B0604020202020204" pitchFamily="34" charset="0"/>
-              <a:buNone/>
-              <a:defRPr sz="1600" kern="1200">
-                <a:solidFill>
-                  <a:schemeClr val="tx1"/>
-                </a:solidFill>
-                <a:latin typeface="+mn-lt"/>
-                <a:ea typeface="+mn-ea"/>
-                <a:cs typeface="+mn-cs"/>
-              </a:defRPr>
-            </a:lvl6pPr>
-            <a:lvl7pPr marL="2743200" indent="0" algn="ctr" defTabSz="914400" rtl="0" eaLnBrk="1" latinLnBrk="0" hangingPunct="1">
-              <a:lnSpc>
-                <a:spcPct val="90000"/>
-              </a:lnSpc>
-              <a:spcBef>
-                <a:spcPts val="500"/>
-              </a:spcBef>
-              <a:buFont typeface="Arial" panose="020B0604020202020204" pitchFamily="34" charset="0"/>
-              <a:buNone/>
-              <a:defRPr sz="1600" kern="1200">
-                <a:solidFill>
-                  <a:schemeClr val="tx1"/>
-                </a:solidFill>
-                <a:latin typeface="+mn-lt"/>
-                <a:ea typeface="+mn-ea"/>
-                <a:cs typeface="+mn-cs"/>
-              </a:defRPr>
-            </a:lvl7pPr>
-            <a:lvl8pPr marL="3200400" indent="0" algn="ctr" defTabSz="914400" rtl="0" eaLnBrk="1" latinLnBrk="0" hangingPunct="1">
-              <a:lnSpc>
-                <a:spcPct val="90000"/>
-              </a:lnSpc>
-              <a:spcBef>
-                <a:spcPts val="500"/>
-              </a:spcBef>
-              <a:buFont typeface="Arial" panose="020B0604020202020204" pitchFamily="34" charset="0"/>
-              <a:buNone/>
-              <a:defRPr sz="1600" kern="1200">
-                <a:solidFill>
-                  <a:schemeClr val="tx1"/>
-                </a:solidFill>
-                <a:latin typeface="+mn-lt"/>
-                <a:ea typeface="+mn-ea"/>
-                <a:cs typeface="+mn-cs"/>
-              </a:defRPr>
-            </a:lvl8pPr>
-            <a:lvl9pPr marL="3657600" indent="0" algn="ctr" defTabSz="914400" rtl="0" eaLnBrk="1" latinLnBrk="0" hangingPunct="1">
-              <a:lnSpc>
-                <a:spcPct val="90000"/>
-              </a:lnSpc>
-              <a:spcBef>
-                <a:spcPts val="500"/>
-              </a:spcBef>
-              <a:buFont typeface="Arial" panose="020B0604020202020204" pitchFamily="34" charset="0"/>
-              <a:buNone/>
-              <a:defRPr sz="1600" kern="1200">
-                <a:solidFill>
-                  <a:schemeClr val="tx1"/>
-                </a:solidFill>
-                <a:latin typeface="+mn-lt"/>
-                <a:ea typeface="+mn-ea"/>
-                <a:cs typeface="+mn-cs"/>
-              </a:defRPr>
-            </a:lvl9pPr>
-          </a:lstStyle>
-          <a:p>
-            <a:r>
               <a:rPr lang="en-US" sz="3200" dirty="0" smtClean="0"/>
-              <a:t>NHỊP ĐIỆU CUỘC SỐNG</a:t>
+              <a:t>Xác </a:t>
+            </a:r>
+            <a:r>
+              <a:rPr lang="en-US" sz="3200" dirty="0" err="1" smtClean="0"/>
+              <a:t>suất</a:t>
+            </a:r>
+            <a:r>
+              <a:rPr lang="en-US" sz="3200" dirty="0" smtClean="0"/>
+              <a:t> = </a:t>
+            </a:r>
+            <a:r>
+              <a:rPr lang="en-US" sz="3200" dirty="0" err="1" smtClean="0"/>
+              <a:t>sấp</a:t>
+            </a:r>
+            <a:r>
+              <a:rPr lang="en-US" sz="3200" dirty="0" smtClean="0"/>
+              <a:t> / </a:t>
+            </a:r>
+            <a:r>
+              <a:rPr lang="en-US" sz="3200" dirty="0" err="1" smtClean="0"/>
+              <a:t>ngửa</a:t>
             </a:r>
             <a:endParaRPr lang="en-US" sz="3200" dirty="0"/>
-          </a:p>
-        </p:txBody>
-      </p:sp>
-      <p:sp>
-        <p:nvSpPr>
-          <p:cNvPr id="9" name="Subtitle 2"/>
-          <p:cNvSpPr txBox="1">
-            <a:spLocks/>
-          </p:cNvSpPr>
-          <p:nvPr/>
-        </p:nvSpPr>
-        <p:spPr>
-          <a:xfrm>
-            <a:off x="294807" y="2920738"/>
-            <a:ext cx="1813810" cy="947816"/>
-          </a:xfrm>
-          <a:prstGeom prst="rect">
-            <a:avLst/>
-          </a:prstGeom>
-        </p:spPr>
-        <p:txBody>
-          <a:bodyPr vert="horz" lIns="91440" tIns="45720" rIns="91440" bIns="45720" rtlCol="0">
-            <a:normAutofit/>
-          </a:bodyPr>
-          <a:lstStyle>
-            <a:lvl1pPr marL="0" indent="0" algn="ctr" defTabSz="914400" rtl="0" eaLnBrk="1" latinLnBrk="0" hangingPunct="1">
-              <a:lnSpc>
-                <a:spcPct val="90000"/>
-              </a:lnSpc>
-              <a:spcBef>
-                <a:spcPts val="1000"/>
-              </a:spcBef>
-              <a:buFont typeface="Arial" panose="020B0604020202020204" pitchFamily="34" charset="0"/>
-              <a:buNone/>
-              <a:defRPr sz="2400" kern="1200">
-                <a:solidFill>
-                  <a:schemeClr val="tx1"/>
-                </a:solidFill>
-                <a:latin typeface="+mn-lt"/>
-                <a:ea typeface="+mn-ea"/>
-                <a:cs typeface="+mn-cs"/>
-              </a:defRPr>
-            </a:lvl1pPr>
-            <a:lvl2pPr marL="457200" indent="0" algn="ctr" defTabSz="914400" rtl="0" eaLnBrk="1" latinLnBrk="0" hangingPunct="1">
-              <a:lnSpc>
-                <a:spcPct val="90000"/>
-              </a:lnSpc>
-              <a:spcBef>
-                <a:spcPts val="500"/>
-              </a:spcBef>
-              <a:buFont typeface="Arial" panose="020B0604020202020204" pitchFamily="34" charset="0"/>
-              <a:buNone/>
-              <a:defRPr sz="2000" kern="1200">
-                <a:solidFill>
-                  <a:schemeClr val="tx1"/>
-                </a:solidFill>
-                <a:latin typeface="+mn-lt"/>
-                <a:ea typeface="+mn-ea"/>
-                <a:cs typeface="+mn-cs"/>
-              </a:defRPr>
-            </a:lvl2pPr>
-            <a:lvl3pPr marL="914400" indent="0" algn="ctr" defTabSz="914400" rtl="0" eaLnBrk="1" latinLnBrk="0" hangingPunct="1">
-              <a:lnSpc>
-                <a:spcPct val="90000"/>
-              </a:lnSpc>
-              <a:spcBef>
-                <a:spcPts val="500"/>
-              </a:spcBef>
-              <a:buFont typeface="Arial" panose="020B0604020202020204" pitchFamily="34" charset="0"/>
-              <a:buNone/>
-              <a:defRPr sz="1800" kern="1200">
-                <a:solidFill>
-                  <a:schemeClr val="tx1"/>
-                </a:solidFill>
-                <a:latin typeface="+mn-lt"/>
-                <a:ea typeface="+mn-ea"/>
-                <a:cs typeface="+mn-cs"/>
-              </a:defRPr>
-            </a:lvl3pPr>
-            <a:lvl4pPr marL="1371600" indent="0" algn="ctr" defTabSz="914400" rtl="0" eaLnBrk="1" latinLnBrk="0" hangingPunct="1">
-              <a:lnSpc>
-                <a:spcPct val="90000"/>
-              </a:lnSpc>
-              <a:spcBef>
-                <a:spcPts val="500"/>
-              </a:spcBef>
-              <a:buFont typeface="Arial" panose="020B0604020202020204" pitchFamily="34" charset="0"/>
-              <a:buNone/>
-              <a:defRPr sz="1600" kern="1200">
-                <a:solidFill>
-                  <a:schemeClr val="tx1"/>
-                </a:solidFill>
-                <a:latin typeface="+mn-lt"/>
-                <a:ea typeface="+mn-ea"/>
-                <a:cs typeface="+mn-cs"/>
-              </a:defRPr>
-            </a:lvl4pPr>
-            <a:lvl5pPr marL="1828800" indent="0" algn="ctr" defTabSz="914400" rtl="0" eaLnBrk="1" latinLnBrk="0" hangingPunct="1">
-              <a:lnSpc>
-                <a:spcPct val="90000"/>
-              </a:lnSpc>
-              <a:spcBef>
-                <a:spcPts val="500"/>
-              </a:spcBef>
-              <a:buFont typeface="Arial" panose="020B0604020202020204" pitchFamily="34" charset="0"/>
-              <a:buNone/>
-              <a:defRPr sz="1600" kern="1200">
-                <a:solidFill>
-                  <a:schemeClr val="tx1"/>
-                </a:solidFill>
-                <a:latin typeface="+mn-lt"/>
-                <a:ea typeface="+mn-ea"/>
-                <a:cs typeface="+mn-cs"/>
-              </a:defRPr>
-            </a:lvl5pPr>
-            <a:lvl6pPr marL="2286000" indent="0" algn="ctr" defTabSz="914400" rtl="0" eaLnBrk="1" latinLnBrk="0" hangingPunct="1">
-              <a:lnSpc>
-                <a:spcPct val="90000"/>
-              </a:lnSpc>
-              <a:spcBef>
-                <a:spcPts val="500"/>
-              </a:spcBef>
-              <a:buFont typeface="Arial" panose="020B0604020202020204" pitchFamily="34" charset="0"/>
-              <a:buNone/>
-              <a:defRPr sz="1600" kern="1200">
-                <a:solidFill>
-                  <a:schemeClr val="tx1"/>
-                </a:solidFill>
-                <a:latin typeface="+mn-lt"/>
-                <a:ea typeface="+mn-ea"/>
-                <a:cs typeface="+mn-cs"/>
-              </a:defRPr>
-            </a:lvl6pPr>
-            <a:lvl7pPr marL="2743200" indent="0" algn="ctr" defTabSz="914400" rtl="0" eaLnBrk="1" latinLnBrk="0" hangingPunct="1">
-              <a:lnSpc>
-                <a:spcPct val="90000"/>
-              </a:lnSpc>
-              <a:spcBef>
-                <a:spcPts val="500"/>
-              </a:spcBef>
-              <a:buFont typeface="Arial" panose="020B0604020202020204" pitchFamily="34" charset="0"/>
-              <a:buNone/>
-              <a:defRPr sz="1600" kern="1200">
-                <a:solidFill>
-                  <a:schemeClr val="tx1"/>
-                </a:solidFill>
-                <a:latin typeface="+mn-lt"/>
-                <a:ea typeface="+mn-ea"/>
-                <a:cs typeface="+mn-cs"/>
-              </a:defRPr>
-            </a:lvl7pPr>
-            <a:lvl8pPr marL="3200400" indent="0" algn="ctr" defTabSz="914400" rtl="0" eaLnBrk="1" latinLnBrk="0" hangingPunct="1">
-              <a:lnSpc>
-                <a:spcPct val="90000"/>
-              </a:lnSpc>
-              <a:spcBef>
-                <a:spcPts val="500"/>
-              </a:spcBef>
-              <a:buFont typeface="Arial" panose="020B0604020202020204" pitchFamily="34" charset="0"/>
-              <a:buNone/>
-              <a:defRPr sz="1600" kern="1200">
-                <a:solidFill>
-                  <a:schemeClr val="tx1"/>
-                </a:solidFill>
-                <a:latin typeface="+mn-lt"/>
-                <a:ea typeface="+mn-ea"/>
-                <a:cs typeface="+mn-cs"/>
-              </a:defRPr>
-            </a:lvl8pPr>
-            <a:lvl9pPr marL="3657600" indent="0" algn="ctr" defTabSz="914400" rtl="0" eaLnBrk="1" latinLnBrk="0" hangingPunct="1">
-              <a:lnSpc>
-                <a:spcPct val="90000"/>
-              </a:lnSpc>
-              <a:spcBef>
-                <a:spcPts val="500"/>
-              </a:spcBef>
-              <a:buFont typeface="Arial" panose="020B0604020202020204" pitchFamily="34" charset="0"/>
-              <a:buNone/>
-              <a:defRPr sz="1600" kern="1200">
-                <a:solidFill>
-                  <a:schemeClr val="tx1"/>
-                </a:solidFill>
-                <a:latin typeface="+mn-lt"/>
-                <a:ea typeface="+mn-ea"/>
-                <a:cs typeface="+mn-cs"/>
-              </a:defRPr>
-            </a:lvl9pPr>
-          </a:lstStyle>
-          <a:p>
-            <a:r>
-              <a:rPr lang="en-US" dirty="0" err="1" smtClean="0"/>
-              <a:t>Khủng</a:t>
-            </a:r>
-            <a:r>
-              <a:rPr lang="en-US" dirty="0" smtClean="0"/>
-              <a:t> </a:t>
-            </a:r>
-            <a:r>
-              <a:rPr lang="en-US" dirty="0" err="1" smtClean="0"/>
-              <a:t>hoảng</a:t>
-            </a:r>
-            <a:r>
-              <a:rPr lang="en-US" dirty="0" smtClean="0"/>
-              <a:t> 2x ,3x, 4x</a:t>
-            </a:r>
-            <a:endParaRPr lang="en-US" dirty="0"/>
-          </a:p>
-        </p:txBody>
-      </p:sp>
-      <p:sp>
-        <p:nvSpPr>
-          <p:cNvPr id="10" name="Subtitle 2"/>
-          <p:cNvSpPr txBox="1">
-            <a:spLocks/>
-          </p:cNvSpPr>
-          <p:nvPr/>
-        </p:nvSpPr>
-        <p:spPr>
-          <a:xfrm>
-            <a:off x="6435778" y="6031823"/>
-            <a:ext cx="3377783" cy="414416"/>
-          </a:xfrm>
-          <a:prstGeom prst="rect">
-            <a:avLst/>
-          </a:prstGeom>
-        </p:spPr>
-        <p:txBody>
-          <a:bodyPr vert="horz" lIns="91440" tIns="45720" rIns="91440" bIns="45720" rtlCol="0">
-            <a:normAutofit fontScale="92500"/>
-          </a:bodyPr>
-          <a:lstStyle>
-            <a:lvl1pPr marL="0" indent="0" algn="ctr" defTabSz="914400" rtl="0" eaLnBrk="1" latinLnBrk="0" hangingPunct="1">
-              <a:lnSpc>
-                <a:spcPct val="90000"/>
-              </a:lnSpc>
-              <a:spcBef>
-                <a:spcPts val="1000"/>
-              </a:spcBef>
-              <a:buFont typeface="Arial" panose="020B0604020202020204" pitchFamily="34" charset="0"/>
-              <a:buNone/>
-              <a:defRPr sz="2400" kern="1200">
-                <a:solidFill>
-                  <a:schemeClr val="tx1"/>
-                </a:solidFill>
-                <a:latin typeface="+mn-lt"/>
-                <a:ea typeface="+mn-ea"/>
-                <a:cs typeface="+mn-cs"/>
-              </a:defRPr>
-            </a:lvl1pPr>
-            <a:lvl2pPr marL="457200" indent="0" algn="ctr" defTabSz="914400" rtl="0" eaLnBrk="1" latinLnBrk="0" hangingPunct="1">
-              <a:lnSpc>
-                <a:spcPct val="90000"/>
-              </a:lnSpc>
-              <a:spcBef>
-                <a:spcPts val="500"/>
-              </a:spcBef>
-              <a:buFont typeface="Arial" panose="020B0604020202020204" pitchFamily="34" charset="0"/>
-              <a:buNone/>
-              <a:defRPr sz="2000" kern="1200">
-                <a:solidFill>
-                  <a:schemeClr val="tx1"/>
-                </a:solidFill>
-                <a:latin typeface="+mn-lt"/>
-                <a:ea typeface="+mn-ea"/>
-                <a:cs typeface="+mn-cs"/>
-              </a:defRPr>
-            </a:lvl2pPr>
-            <a:lvl3pPr marL="914400" indent="0" algn="ctr" defTabSz="914400" rtl="0" eaLnBrk="1" latinLnBrk="0" hangingPunct="1">
-              <a:lnSpc>
-                <a:spcPct val="90000"/>
-              </a:lnSpc>
-              <a:spcBef>
-                <a:spcPts val="500"/>
-              </a:spcBef>
-              <a:buFont typeface="Arial" panose="020B0604020202020204" pitchFamily="34" charset="0"/>
-              <a:buNone/>
-              <a:defRPr sz="1800" kern="1200">
-                <a:solidFill>
-                  <a:schemeClr val="tx1"/>
-                </a:solidFill>
-                <a:latin typeface="+mn-lt"/>
-                <a:ea typeface="+mn-ea"/>
-                <a:cs typeface="+mn-cs"/>
-              </a:defRPr>
-            </a:lvl3pPr>
-            <a:lvl4pPr marL="1371600" indent="0" algn="ctr" defTabSz="914400" rtl="0" eaLnBrk="1" latinLnBrk="0" hangingPunct="1">
-              <a:lnSpc>
-                <a:spcPct val="90000"/>
-              </a:lnSpc>
-              <a:spcBef>
-                <a:spcPts val="500"/>
-              </a:spcBef>
-              <a:buFont typeface="Arial" panose="020B0604020202020204" pitchFamily="34" charset="0"/>
-              <a:buNone/>
-              <a:defRPr sz="1600" kern="1200">
-                <a:solidFill>
-                  <a:schemeClr val="tx1"/>
-                </a:solidFill>
-                <a:latin typeface="+mn-lt"/>
-                <a:ea typeface="+mn-ea"/>
-                <a:cs typeface="+mn-cs"/>
-              </a:defRPr>
-            </a:lvl4pPr>
-            <a:lvl5pPr marL="1828800" indent="0" algn="ctr" defTabSz="914400" rtl="0" eaLnBrk="1" latinLnBrk="0" hangingPunct="1">
-              <a:lnSpc>
-                <a:spcPct val="90000"/>
-              </a:lnSpc>
-              <a:spcBef>
-                <a:spcPts val="500"/>
-              </a:spcBef>
-              <a:buFont typeface="Arial" panose="020B0604020202020204" pitchFamily="34" charset="0"/>
-              <a:buNone/>
-              <a:defRPr sz="1600" kern="1200">
-                <a:solidFill>
-                  <a:schemeClr val="tx1"/>
-                </a:solidFill>
-                <a:latin typeface="+mn-lt"/>
-                <a:ea typeface="+mn-ea"/>
-                <a:cs typeface="+mn-cs"/>
-              </a:defRPr>
-            </a:lvl5pPr>
-            <a:lvl6pPr marL="2286000" indent="0" algn="ctr" defTabSz="914400" rtl="0" eaLnBrk="1" latinLnBrk="0" hangingPunct="1">
-              <a:lnSpc>
-                <a:spcPct val="90000"/>
-              </a:lnSpc>
-              <a:spcBef>
-                <a:spcPts val="500"/>
-              </a:spcBef>
-              <a:buFont typeface="Arial" panose="020B0604020202020204" pitchFamily="34" charset="0"/>
-              <a:buNone/>
-              <a:defRPr sz="1600" kern="1200">
-                <a:solidFill>
-                  <a:schemeClr val="tx1"/>
-                </a:solidFill>
-                <a:latin typeface="+mn-lt"/>
-                <a:ea typeface="+mn-ea"/>
-                <a:cs typeface="+mn-cs"/>
-              </a:defRPr>
-            </a:lvl6pPr>
-            <a:lvl7pPr marL="2743200" indent="0" algn="ctr" defTabSz="914400" rtl="0" eaLnBrk="1" latinLnBrk="0" hangingPunct="1">
-              <a:lnSpc>
-                <a:spcPct val="90000"/>
-              </a:lnSpc>
-              <a:spcBef>
-                <a:spcPts val="500"/>
-              </a:spcBef>
-              <a:buFont typeface="Arial" panose="020B0604020202020204" pitchFamily="34" charset="0"/>
-              <a:buNone/>
-              <a:defRPr sz="1600" kern="1200">
-                <a:solidFill>
-                  <a:schemeClr val="tx1"/>
-                </a:solidFill>
-                <a:latin typeface="+mn-lt"/>
-                <a:ea typeface="+mn-ea"/>
-                <a:cs typeface="+mn-cs"/>
-              </a:defRPr>
-            </a:lvl7pPr>
-            <a:lvl8pPr marL="3200400" indent="0" algn="ctr" defTabSz="914400" rtl="0" eaLnBrk="1" latinLnBrk="0" hangingPunct="1">
-              <a:lnSpc>
-                <a:spcPct val="90000"/>
-              </a:lnSpc>
-              <a:spcBef>
-                <a:spcPts val="500"/>
-              </a:spcBef>
-              <a:buFont typeface="Arial" panose="020B0604020202020204" pitchFamily="34" charset="0"/>
-              <a:buNone/>
-              <a:defRPr sz="1600" kern="1200">
-                <a:solidFill>
-                  <a:schemeClr val="tx1"/>
-                </a:solidFill>
-                <a:latin typeface="+mn-lt"/>
-                <a:ea typeface="+mn-ea"/>
-                <a:cs typeface="+mn-cs"/>
-              </a:defRPr>
-            </a:lvl8pPr>
-            <a:lvl9pPr marL="3657600" indent="0" algn="ctr" defTabSz="914400" rtl="0" eaLnBrk="1" latinLnBrk="0" hangingPunct="1">
-              <a:lnSpc>
-                <a:spcPct val="90000"/>
-              </a:lnSpc>
-              <a:spcBef>
-                <a:spcPts val="500"/>
-              </a:spcBef>
-              <a:buFont typeface="Arial" panose="020B0604020202020204" pitchFamily="34" charset="0"/>
-              <a:buNone/>
-              <a:defRPr sz="1600" kern="1200">
-                <a:solidFill>
-                  <a:schemeClr val="tx1"/>
-                </a:solidFill>
-                <a:latin typeface="+mn-lt"/>
-                <a:ea typeface="+mn-ea"/>
-                <a:cs typeface="+mn-cs"/>
-              </a:defRPr>
-            </a:lvl9pPr>
-          </a:lstStyle>
-          <a:p>
-            <a:r>
-              <a:rPr lang="en-US" dirty="0" err="1" smtClean="0"/>
-              <a:t>cơ</a:t>
-            </a:r>
-            <a:r>
-              <a:rPr lang="en-US" dirty="0" smtClean="0"/>
-              <a:t> </a:t>
-            </a:r>
-            <a:r>
-              <a:rPr lang="en-US" dirty="0" err="1" smtClean="0"/>
-              <a:t>hội</a:t>
-            </a:r>
-            <a:r>
-              <a:rPr lang="en-US" dirty="0" smtClean="0"/>
-              <a:t> = </a:t>
-            </a:r>
-            <a:r>
-              <a:rPr lang="en-US" dirty="0" err="1" smtClean="0"/>
-              <a:t>nhu</a:t>
-            </a:r>
-            <a:r>
-              <a:rPr lang="en-US" dirty="0" smtClean="0"/>
-              <a:t> </a:t>
-            </a:r>
-            <a:r>
-              <a:rPr lang="en-US" dirty="0" err="1" smtClean="0"/>
-              <a:t>cầu</a:t>
-            </a:r>
-            <a:r>
-              <a:rPr lang="en-US" dirty="0" smtClean="0"/>
-              <a:t> + </a:t>
-            </a:r>
-            <a:r>
-              <a:rPr lang="en-US" dirty="0" err="1" smtClean="0"/>
-              <a:t>đáp</a:t>
-            </a:r>
-            <a:r>
-              <a:rPr lang="en-US" dirty="0" smtClean="0"/>
-              <a:t> ứng</a:t>
-            </a:r>
-            <a:endParaRPr lang="en-US" dirty="0"/>
           </a:p>
         </p:txBody>
       </p:sp>
     </p:spTree>
     <p:extLst>
       <p:ext uri="{BB962C8B-B14F-4D97-AF65-F5344CB8AC3E}">
-        <p14:creationId xmlns:p14="http://schemas.microsoft.com/office/powerpoint/2010/main" val="2896205704"/>
+        <p14:creationId xmlns:p14="http://schemas.microsoft.com/office/powerpoint/2010/main" val="3106101592"/>
       </p:ext>
     </p:extLst>
   </p:cSld>
   <p:clrMapOvr>
     <a:masterClrMapping/>
   </p:clrMapOvr>
+  <p:timing>
+    <p:tnLst>
+      <p:par>
+        <p:cTn id="1" dur="indefinite" restart="never" nodeType="tmRoot"/>
+      </p:par>
+    </p:tnLst>
+  </p:timing>
 </p:sld>
 </file>
 
@@ -6989,29 +5956,74 @@
       </p:grpSpPr>
       <p:sp>
         <p:nvSpPr>
-          <p:cNvPr id="2" name="Title 1"/>
-          <p:cNvSpPr>
-            <a:spLocks noGrp="1"/>
-          </p:cNvSpPr>
-          <p:nvPr>
-            <p:ph type="ctrTitle"/>
+          <p:cNvPr id="3" name="Subtitle 2"/>
+          <p:cNvSpPr>
+            <a:spLocks noGrp="1"/>
+          </p:cNvSpPr>
+          <p:nvPr>
+            <p:ph type="subTitle" idx="1"/>
           </p:nvPr>
         </p:nvSpPr>
         <p:spPr>
           <a:xfrm>
-            <a:off x="1404079" y="130913"/>
-            <a:ext cx="9144000" cy="1158240"/>
+            <a:off x="8214611" y="633334"/>
+            <a:ext cx="3777520" cy="828832"/>
           </a:xfrm>
         </p:spPr>
         <p:txBody>
-          <a:bodyPr/>
+          <a:bodyPr>
+            <a:noAutofit/>
+          </a:bodyPr>
           <a:lstStyle/>
           <a:p>
             <a:r>
-              <a:rPr lang="en-US" dirty="0" smtClean="0"/>
-              <a:t>THỜI GIAN</a:t>
-            </a:r>
-            <a:endParaRPr lang="en-US" dirty="0"/>
+              <a:rPr lang="en-US" sz="2800" dirty="0" smtClean="0"/>
+              <a:t>1.Khó </a:t>
+            </a:r>
+            <a:r>
+              <a:rPr lang="en-US" sz="2800" dirty="0" err="1" smtClean="0"/>
+              <a:t>khăn</a:t>
+            </a:r>
+            <a:r>
+              <a:rPr lang="en-US" sz="2800" dirty="0" smtClean="0"/>
+              <a:t> = HỌC TẬP</a:t>
+            </a:r>
+            <a:br>
+              <a:rPr lang="en-US" sz="2800" dirty="0" smtClean="0"/>
+            </a:br>
+            <a:r>
+              <a:rPr lang="en-US" sz="2800" dirty="0" smtClean="0"/>
+              <a:t>|</a:t>
+            </a:r>
+            <a:r>
+              <a:rPr lang="en-US" sz="2800" dirty="0" err="1" smtClean="0"/>
+              <a:t>chuẩn</a:t>
+            </a:r>
+            <a:r>
+              <a:rPr lang="en-US" sz="2800" dirty="0" smtClean="0"/>
+              <a:t> bị </a:t>
+            </a:r>
+            <a:r>
+              <a:rPr lang="en-US" sz="2800" dirty="0" err="1" smtClean="0"/>
+              <a:t>cho</a:t>
+            </a:r>
+            <a:r>
+              <a:rPr lang="en-US" sz="2800" dirty="0" smtClean="0"/>
+              <a:t> </a:t>
+            </a:r>
+            <a:r>
+              <a:rPr lang="en-US" sz="2800" dirty="0" err="1" smtClean="0"/>
+              <a:t>mùa</a:t>
+            </a:r>
+            <a:r>
+              <a:rPr lang="en-US" sz="2800" dirty="0" smtClean="0"/>
+              <a:t> </a:t>
+            </a:r>
+            <a:r>
+              <a:rPr lang="en-US" sz="2800" dirty="0" err="1" smtClean="0"/>
+              <a:t>xuân</a:t>
+            </a:r>
+            <a:endParaRPr lang="en-US" sz="2800" dirty="0"/>
           </a:p>
         </p:txBody>
       </p:sp>
@@ -7037,8 +6049,8 @@
         </p:blipFill>
         <p:spPr>
           <a:xfrm>
-            <a:off x="2183568" y="1424065"/>
-            <a:ext cx="8054715" cy="4530777"/>
+            <a:off x="3582649" y="1047750"/>
+            <a:ext cx="4766872" cy="4762500"/>
           </a:xfrm>
           <a:prstGeom prst="rect">
             <a:avLst/>
@@ -7047,52 +6059,1383 @@
       </p:pic>
       <p:sp>
         <p:nvSpPr>
-          <p:cNvPr id="5" name="TextBox 4"/>
-          <p:cNvSpPr txBox="1"/>
+          <p:cNvPr id="5" name="Subtitle 2"/>
+          <p:cNvSpPr txBox="1">
+            <a:spLocks/>
+          </p:cNvSpPr>
           <p:nvPr/>
         </p:nvSpPr>
         <p:spPr>
           <a:xfrm>
-            <a:off x="591465" y="1663908"/>
-            <a:ext cx="1592103" cy="646331"/>
+            <a:off x="204866" y="5202991"/>
+            <a:ext cx="3377783" cy="828832"/>
           </a:xfrm>
           <a:prstGeom prst="rect">
             <a:avLst/>
           </a:prstGeom>
-          <a:noFill/>
         </p:spPr>
         <p:txBody>
-          <a:bodyPr wrap="none" rtlCol="0">
-            <a:spAutoFit/>
+          <a:bodyPr vert="horz" lIns="91440" tIns="45720" rIns="91440" bIns="45720" rtlCol="0">
+            <a:noAutofit/>
           </a:bodyPr>
-          <a:lstStyle/>
-          <a:p>
-            <a:r>
-              <a:rPr lang="en-US" sz="3600" dirty="0" smtClean="0">
-                <a:solidFill>
-                  <a:srgbClr val="FF0000"/>
-                </a:solidFill>
-              </a:rPr>
-              <a:t>60-80%</a:t>
-            </a:r>
-            <a:endParaRPr lang="en-US" sz="3600" dirty="0">
-              <a:solidFill>
-                <a:srgbClr val="FF0000"/>
-              </a:solidFill>
-            </a:endParaRPr>
+          <a:lstStyle>
+            <a:lvl1pPr marL="0" indent="0" algn="ctr" defTabSz="914400" rtl="0" eaLnBrk="1" latinLnBrk="0" hangingPunct="1">
+              <a:lnSpc>
+                <a:spcPct val="90000"/>
+              </a:lnSpc>
+              <a:spcBef>
+                <a:spcPts val="1000"/>
+              </a:spcBef>
+              <a:buFont typeface="Arial" panose="020B0604020202020204" pitchFamily="34" charset="0"/>
+              <a:buNone/>
+              <a:defRPr sz="2400" kern="1200">
+                <a:solidFill>
+                  <a:schemeClr val="tx1"/>
+                </a:solidFill>
+                <a:latin typeface="+mn-lt"/>
+                <a:ea typeface="+mn-ea"/>
+                <a:cs typeface="+mn-cs"/>
+              </a:defRPr>
+            </a:lvl1pPr>
+            <a:lvl2pPr marL="457200" indent="0" algn="ctr" defTabSz="914400" rtl="0" eaLnBrk="1" latinLnBrk="0" hangingPunct="1">
+              <a:lnSpc>
+                <a:spcPct val="90000"/>
+              </a:lnSpc>
+              <a:spcBef>
+                <a:spcPts val="500"/>
+              </a:spcBef>
+              <a:buFont typeface="Arial" panose="020B0604020202020204" pitchFamily="34" charset="0"/>
+              <a:buNone/>
+              <a:defRPr sz="2000" kern="1200">
+                <a:solidFill>
+                  <a:schemeClr val="tx1"/>
+                </a:solidFill>
+                <a:latin typeface="+mn-lt"/>
+                <a:ea typeface="+mn-ea"/>
+                <a:cs typeface="+mn-cs"/>
+              </a:defRPr>
+            </a:lvl2pPr>
+            <a:lvl3pPr marL="914400" indent="0" algn="ctr" defTabSz="914400" rtl="0" eaLnBrk="1" latinLnBrk="0" hangingPunct="1">
+              <a:lnSpc>
+                <a:spcPct val="90000"/>
+              </a:lnSpc>
+              <a:spcBef>
+                <a:spcPts val="500"/>
+              </a:spcBef>
+              <a:buFont typeface="Arial" panose="020B0604020202020204" pitchFamily="34" charset="0"/>
+              <a:buNone/>
+              <a:defRPr sz="1800" kern="1200">
+                <a:solidFill>
+                  <a:schemeClr val="tx1"/>
+                </a:solidFill>
+                <a:latin typeface="+mn-lt"/>
+                <a:ea typeface="+mn-ea"/>
+                <a:cs typeface="+mn-cs"/>
+              </a:defRPr>
+            </a:lvl3pPr>
+            <a:lvl4pPr marL="1371600" indent="0" algn="ctr" defTabSz="914400" rtl="0" eaLnBrk="1" latinLnBrk="0" hangingPunct="1">
+              <a:lnSpc>
+                <a:spcPct val="90000"/>
+              </a:lnSpc>
+              <a:spcBef>
+                <a:spcPts val="500"/>
+              </a:spcBef>
+              <a:buFont typeface="Arial" panose="020B0604020202020204" pitchFamily="34" charset="0"/>
+              <a:buNone/>
+              <a:defRPr sz="1600" kern="1200">
+                <a:solidFill>
+                  <a:schemeClr val="tx1"/>
+                </a:solidFill>
+                <a:latin typeface="+mn-lt"/>
+                <a:ea typeface="+mn-ea"/>
+                <a:cs typeface="+mn-cs"/>
+              </a:defRPr>
+            </a:lvl4pPr>
+            <a:lvl5pPr marL="1828800" indent="0" algn="ctr" defTabSz="914400" rtl="0" eaLnBrk="1" latinLnBrk="0" hangingPunct="1">
+              <a:lnSpc>
+                <a:spcPct val="90000"/>
+              </a:lnSpc>
+              <a:spcBef>
+                <a:spcPts val="500"/>
+              </a:spcBef>
+              <a:buFont typeface="Arial" panose="020B0604020202020204" pitchFamily="34" charset="0"/>
+              <a:buNone/>
+              <a:defRPr sz="1600" kern="1200">
+                <a:solidFill>
+                  <a:schemeClr val="tx1"/>
+                </a:solidFill>
+                <a:latin typeface="+mn-lt"/>
+                <a:ea typeface="+mn-ea"/>
+                <a:cs typeface="+mn-cs"/>
+              </a:defRPr>
+            </a:lvl5pPr>
+            <a:lvl6pPr marL="2286000" indent="0" algn="ctr" defTabSz="914400" rtl="0" eaLnBrk="1" latinLnBrk="0" hangingPunct="1">
+              <a:lnSpc>
+                <a:spcPct val="90000"/>
+              </a:lnSpc>
+              <a:spcBef>
+                <a:spcPts val="500"/>
+              </a:spcBef>
+              <a:buFont typeface="Arial" panose="020B0604020202020204" pitchFamily="34" charset="0"/>
+              <a:buNone/>
+              <a:defRPr sz="1600" kern="1200">
+                <a:solidFill>
+                  <a:schemeClr val="tx1"/>
+                </a:solidFill>
+                <a:latin typeface="+mn-lt"/>
+                <a:ea typeface="+mn-ea"/>
+                <a:cs typeface="+mn-cs"/>
+              </a:defRPr>
+            </a:lvl6pPr>
+            <a:lvl7pPr marL="2743200" indent="0" algn="ctr" defTabSz="914400" rtl="0" eaLnBrk="1" latinLnBrk="0" hangingPunct="1">
+              <a:lnSpc>
+                <a:spcPct val="90000"/>
+              </a:lnSpc>
+              <a:spcBef>
+                <a:spcPts val="500"/>
+              </a:spcBef>
+              <a:buFont typeface="Arial" panose="020B0604020202020204" pitchFamily="34" charset="0"/>
+              <a:buNone/>
+              <a:defRPr sz="1600" kern="1200">
+                <a:solidFill>
+                  <a:schemeClr val="tx1"/>
+                </a:solidFill>
+                <a:latin typeface="+mn-lt"/>
+                <a:ea typeface="+mn-ea"/>
+                <a:cs typeface="+mn-cs"/>
+              </a:defRPr>
+            </a:lvl7pPr>
+            <a:lvl8pPr marL="3200400" indent="0" algn="ctr" defTabSz="914400" rtl="0" eaLnBrk="1" latinLnBrk="0" hangingPunct="1">
+              <a:lnSpc>
+                <a:spcPct val="90000"/>
+              </a:lnSpc>
+              <a:spcBef>
+                <a:spcPts val="500"/>
+              </a:spcBef>
+              <a:buFont typeface="Arial" panose="020B0604020202020204" pitchFamily="34" charset="0"/>
+              <a:buNone/>
+              <a:defRPr sz="1600" kern="1200">
+                <a:solidFill>
+                  <a:schemeClr val="tx1"/>
+                </a:solidFill>
+                <a:latin typeface="+mn-lt"/>
+                <a:ea typeface="+mn-ea"/>
+                <a:cs typeface="+mn-cs"/>
+              </a:defRPr>
+            </a:lvl8pPr>
+            <a:lvl9pPr marL="3657600" indent="0" algn="ctr" defTabSz="914400" rtl="0" eaLnBrk="1" latinLnBrk="0" hangingPunct="1">
+              <a:lnSpc>
+                <a:spcPct val="90000"/>
+              </a:lnSpc>
+              <a:spcBef>
+                <a:spcPts val="500"/>
+              </a:spcBef>
+              <a:buFont typeface="Arial" panose="020B0604020202020204" pitchFamily="34" charset="0"/>
+              <a:buNone/>
+              <a:defRPr sz="1600" kern="1200">
+                <a:solidFill>
+                  <a:schemeClr val="tx1"/>
+                </a:solidFill>
+                <a:latin typeface="+mn-lt"/>
+                <a:ea typeface="+mn-ea"/>
+                <a:cs typeface="+mn-cs"/>
+              </a:defRPr>
+            </a:lvl9pPr>
+          </a:lstStyle>
+          <a:p>
+            <a:pPr algn="l"/>
+            <a:r>
+              <a:rPr lang="en-US" sz="2800" dirty="0" smtClean="0"/>
+              <a:t>3. BẢO VỆ</a:t>
+            </a:r>
+          </a:p>
+          <a:p>
+            <a:pPr algn="l"/>
+            <a:r>
+              <a:rPr lang="en-US" sz="2800" dirty="0" err="1"/>
+              <a:t>c</a:t>
+            </a:r>
+            <a:r>
+              <a:rPr lang="en-US" sz="2800" dirty="0" err="1" smtClean="0"/>
+              <a:t>hống</a:t>
+            </a:r>
+            <a:r>
+              <a:rPr lang="en-US" sz="2800" dirty="0" smtClean="0"/>
+              <a:t> lại kẻ </a:t>
+            </a:r>
+            <a:r>
+              <a:rPr lang="en-US" sz="2800" dirty="0" err="1" smtClean="0"/>
+              <a:t>thù</a:t>
+            </a:r>
+            <a:r>
+              <a:rPr lang="en-US" sz="2800" dirty="0" smtClean="0"/>
+              <a:t> </a:t>
+            </a:r>
+            <a:r>
+              <a:rPr lang="en-US" sz="2800" dirty="0" err="1" smtClean="0"/>
+              <a:t>trì</a:t>
+            </a:r>
+            <a:r>
+              <a:rPr lang="en-US" sz="2800" dirty="0" smtClean="0"/>
+              <a:t> </a:t>
+            </a:r>
+            <a:r>
+              <a:rPr lang="en-US" sz="2800" dirty="0" err="1" smtClean="0"/>
+              <a:t>hoãn</a:t>
+            </a:r>
+            <a:endParaRPr lang="en-US" sz="2800" dirty="0"/>
+          </a:p>
+        </p:txBody>
+      </p:sp>
+      <p:sp>
+        <p:nvSpPr>
+          <p:cNvPr id="6" name="Subtitle 2"/>
+          <p:cNvSpPr txBox="1">
+            <a:spLocks/>
+          </p:cNvSpPr>
+          <p:nvPr/>
+        </p:nvSpPr>
+        <p:spPr>
+          <a:xfrm>
+            <a:off x="294807" y="368352"/>
+            <a:ext cx="3377782" cy="1160176"/>
+          </a:xfrm>
+          <a:prstGeom prst="rect">
+            <a:avLst/>
+          </a:prstGeom>
+        </p:spPr>
+        <p:txBody>
+          <a:bodyPr vert="horz" lIns="91440" tIns="45720" rIns="91440" bIns="45720" rtlCol="0">
+            <a:noAutofit/>
+          </a:bodyPr>
+          <a:lstStyle>
+            <a:lvl1pPr marL="0" indent="0" algn="ctr" defTabSz="914400" rtl="0" eaLnBrk="1" latinLnBrk="0" hangingPunct="1">
+              <a:lnSpc>
+                <a:spcPct val="90000"/>
+              </a:lnSpc>
+              <a:spcBef>
+                <a:spcPts val="1000"/>
+              </a:spcBef>
+              <a:buFont typeface="Arial" panose="020B0604020202020204" pitchFamily="34" charset="0"/>
+              <a:buNone/>
+              <a:defRPr sz="2400" kern="1200">
+                <a:solidFill>
+                  <a:schemeClr val="tx1"/>
+                </a:solidFill>
+                <a:latin typeface="+mn-lt"/>
+                <a:ea typeface="+mn-ea"/>
+                <a:cs typeface="+mn-cs"/>
+              </a:defRPr>
+            </a:lvl1pPr>
+            <a:lvl2pPr marL="457200" indent="0" algn="ctr" defTabSz="914400" rtl="0" eaLnBrk="1" latinLnBrk="0" hangingPunct="1">
+              <a:lnSpc>
+                <a:spcPct val="90000"/>
+              </a:lnSpc>
+              <a:spcBef>
+                <a:spcPts val="500"/>
+              </a:spcBef>
+              <a:buFont typeface="Arial" panose="020B0604020202020204" pitchFamily="34" charset="0"/>
+              <a:buNone/>
+              <a:defRPr sz="2000" kern="1200">
+                <a:solidFill>
+                  <a:schemeClr val="tx1"/>
+                </a:solidFill>
+                <a:latin typeface="+mn-lt"/>
+                <a:ea typeface="+mn-ea"/>
+                <a:cs typeface="+mn-cs"/>
+              </a:defRPr>
+            </a:lvl2pPr>
+            <a:lvl3pPr marL="914400" indent="0" algn="ctr" defTabSz="914400" rtl="0" eaLnBrk="1" latinLnBrk="0" hangingPunct="1">
+              <a:lnSpc>
+                <a:spcPct val="90000"/>
+              </a:lnSpc>
+              <a:spcBef>
+                <a:spcPts val="500"/>
+              </a:spcBef>
+              <a:buFont typeface="Arial" panose="020B0604020202020204" pitchFamily="34" charset="0"/>
+              <a:buNone/>
+              <a:defRPr sz="1800" kern="1200">
+                <a:solidFill>
+                  <a:schemeClr val="tx1"/>
+                </a:solidFill>
+                <a:latin typeface="+mn-lt"/>
+                <a:ea typeface="+mn-ea"/>
+                <a:cs typeface="+mn-cs"/>
+              </a:defRPr>
+            </a:lvl3pPr>
+            <a:lvl4pPr marL="1371600" indent="0" algn="ctr" defTabSz="914400" rtl="0" eaLnBrk="1" latinLnBrk="0" hangingPunct="1">
+              <a:lnSpc>
+                <a:spcPct val="90000"/>
+              </a:lnSpc>
+              <a:spcBef>
+                <a:spcPts val="500"/>
+              </a:spcBef>
+              <a:buFont typeface="Arial" panose="020B0604020202020204" pitchFamily="34" charset="0"/>
+              <a:buNone/>
+              <a:defRPr sz="1600" kern="1200">
+                <a:solidFill>
+                  <a:schemeClr val="tx1"/>
+                </a:solidFill>
+                <a:latin typeface="+mn-lt"/>
+                <a:ea typeface="+mn-ea"/>
+                <a:cs typeface="+mn-cs"/>
+              </a:defRPr>
+            </a:lvl4pPr>
+            <a:lvl5pPr marL="1828800" indent="0" algn="ctr" defTabSz="914400" rtl="0" eaLnBrk="1" latinLnBrk="0" hangingPunct="1">
+              <a:lnSpc>
+                <a:spcPct val="90000"/>
+              </a:lnSpc>
+              <a:spcBef>
+                <a:spcPts val="500"/>
+              </a:spcBef>
+              <a:buFont typeface="Arial" panose="020B0604020202020204" pitchFamily="34" charset="0"/>
+              <a:buNone/>
+              <a:defRPr sz="1600" kern="1200">
+                <a:solidFill>
+                  <a:schemeClr val="tx1"/>
+                </a:solidFill>
+                <a:latin typeface="+mn-lt"/>
+                <a:ea typeface="+mn-ea"/>
+                <a:cs typeface="+mn-cs"/>
+              </a:defRPr>
+            </a:lvl5pPr>
+            <a:lvl6pPr marL="2286000" indent="0" algn="ctr" defTabSz="914400" rtl="0" eaLnBrk="1" latinLnBrk="0" hangingPunct="1">
+              <a:lnSpc>
+                <a:spcPct val="90000"/>
+              </a:lnSpc>
+              <a:spcBef>
+                <a:spcPts val="500"/>
+              </a:spcBef>
+              <a:buFont typeface="Arial" panose="020B0604020202020204" pitchFamily="34" charset="0"/>
+              <a:buNone/>
+              <a:defRPr sz="1600" kern="1200">
+                <a:solidFill>
+                  <a:schemeClr val="tx1"/>
+                </a:solidFill>
+                <a:latin typeface="+mn-lt"/>
+                <a:ea typeface="+mn-ea"/>
+                <a:cs typeface="+mn-cs"/>
+              </a:defRPr>
+            </a:lvl6pPr>
+            <a:lvl7pPr marL="2743200" indent="0" algn="ctr" defTabSz="914400" rtl="0" eaLnBrk="1" latinLnBrk="0" hangingPunct="1">
+              <a:lnSpc>
+                <a:spcPct val="90000"/>
+              </a:lnSpc>
+              <a:spcBef>
+                <a:spcPts val="500"/>
+              </a:spcBef>
+              <a:buFont typeface="Arial" panose="020B0604020202020204" pitchFamily="34" charset="0"/>
+              <a:buNone/>
+              <a:defRPr sz="1600" kern="1200">
+                <a:solidFill>
+                  <a:schemeClr val="tx1"/>
+                </a:solidFill>
+                <a:latin typeface="+mn-lt"/>
+                <a:ea typeface="+mn-ea"/>
+                <a:cs typeface="+mn-cs"/>
+              </a:defRPr>
+            </a:lvl7pPr>
+            <a:lvl8pPr marL="3200400" indent="0" algn="ctr" defTabSz="914400" rtl="0" eaLnBrk="1" latinLnBrk="0" hangingPunct="1">
+              <a:lnSpc>
+                <a:spcPct val="90000"/>
+              </a:lnSpc>
+              <a:spcBef>
+                <a:spcPts val="500"/>
+              </a:spcBef>
+              <a:buFont typeface="Arial" panose="020B0604020202020204" pitchFamily="34" charset="0"/>
+              <a:buNone/>
+              <a:defRPr sz="1600" kern="1200">
+                <a:solidFill>
+                  <a:schemeClr val="tx1"/>
+                </a:solidFill>
+                <a:latin typeface="+mn-lt"/>
+                <a:ea typeface="+mn-ea"/>
+                <a:cs typeface="+mn-cs"/>
+              </a:defRPr>
+            </a:lvl8pPr>
+            <a:lvl9pPr marL="3657600" indent="0" algn="ctr" defTabSz="914400" rtl="0" eaLnBrk="1" latinLnBrk="0" hangingPunct="1">
+              <a:lnSpc>
+                <a:spcPct val="90000"/>
+              </a:lnSpc>
+              <a:spcBef>
+                <a:spcPts val="500"/>
+              </a:spcBef>
+              <a:buFont typeface="Arial" panose="020B0604020202020204" pitchFamily="34" charset="0"/>
+              <a:buNone/>
+              <a:defRPr sz="1600" kern="1200">
+                <a:solidFill>
+                  <a:schemeClr val="tx1"/>
+                </a:solidFill>
+                <a:latin typeface="+mn-lt"/>
+                <a:ea typeface="+mn-ea"/>
+                <a:cs typeface="+mn-cs"/>
+              </a:defRPr>
+            </a:lvl9pPr>
+          </a:lstStyle>
+          <a:p>
+            <a:pPr algn="l"/>
+            <a:r>
+              <a:rPr lang="en-US" sz="2800" dirty="0" smtClean="0"/>
+              <a:t>4. THU HOẠCH</a:t>
+            </a:r>
+          </a:p>
+          <a:p>
+            <a:pPr algn="l"/>
+            <a:r>
+              <a:rPr lang="en-US" sz="2800" dirty="0" smtClean="0"/>
+              <a:t>= </a:t>
+            </a:r>
+            <a:r>
+              <a:rPr lang="en-US" sz="2800" dirty="0" err="1" smtClean="0"/>
+              <a:t>ăn</a:t>
+            </a:r>
+            <a:r>
+              <a:rPr lang="en-US" sz="2800" dirty="0" smtClean="0"/>
+              <a:t> </a:t>
+            </a:r>
+            <a:r>
+              <a:rPr lang="en-US" sz="2800" dirty="0" err="1" smtClean="0"/>
+              <a:t>uống</a:t>
+            </a:r>
+            <a:r>
+              <a:rPr lang="en-US" sz="2800" dirty="0" smtClean="0"/>
+              <a:t> + </a:t>
+            </a:r>
+            <a:r>
+              <a:rPr lang="en-US" sz="2800" dirty="0" err="1" smtClean="0"/>
+              <a:t>để</a:t>
+            </a:r>
+            <a:r>
+              <a:rPr lang="en-US" sz="2800" dirty="0" smtClean="0"/>
+              <a:t> </a:t>
+            </a:r>
+            <a:r>
+              <a:rPr lang="en-US" sz="2800" dirty="0" err="1" smtClean="0"/>
+              <a:t>giống</a:t>
+            </a:r>
+            <a:r>
+              <a:rPr lang="en-US" sz="2800" dirty="0" smtClean="0"/>
+              <a:t/>
+            </a:r>
+            <a:br>
+              <a:rPr lang="en-US" sz="2800" dirty="0" smtClean="0"/>
+            </a:br>
+            <a:r>
+              <a:rPr lang="en-US" sz="2800" dirty="0" err="1" smtClean="0"/>
+              <a:t>Mùa</a:t>
+            </a:r>
+            <a:r>
+              <a:rPr lang="en-US" sz="2800" dirty="0" smtClean="0"/>
+              <a:t> </a:t>
+            </a:r>
+            <a:r>
+              <a:rPr lang="en-US" sz="2800" dirty="0" err="1" smtClean="0"/>
+              <a:t>đông</a:t>
+            </a:r>
+            <a:r>
+              <a:rPr lang="en-US" sz="2800" dirty="0" smtClean="0"/>
+              <a:t> </a:t>
+            </a:r>
+            <a:r>
+              <a:rPr lang="en-US" sz="2800" dirty="0" err="1" smtClean="0"/>
+              <a:t>sẽ</a:t>
+            </a:r>
+            <a:r>
+              <a:rPr lang="en-US" sz="2800" dirty="0" smtClean="0"/>
+              <a:t> </a:t>
+            </a:r>
+            <a:r>
+              <a:rPr lang="en-US" sz="2800" dirty="0" err="1" smtClean="0"/>
+              <a:t>đến</a:t>
+            </a:r>
+            <a:endParaRPr lang="en-US" sz="2800" dirty="0"/>
+          </a:p>
+        </p:txBody>
+      </p:sp>
+      <p:sp>
+        <p:nvSpPr>
+          <p:cNvPr id="7" name="Subtitle 2"/>
+          <p:cNvSpPr txBox="1">
+            <a:spLocks/>
+          </p:cNvSpPr>
+          <p:nvPr/>
+        </p:nvSpPr>
+        <p:spPr>
+          <a:xfrm>
+            <a:off x="8349521" y="5202991"/>
+            <a:ext cx="3377783" cy="828832"/>
+          </a:xfrm>
+          <a:prstGeom prst="rect">
+            <a:avLst/>
+          </a:prstGeom>
+        </p:spPr>
+        <p:txBody>
+          <a:bodyPr vert="horz" lIns="91440" tIns="45720" rIns="91440" bIns="45720" rtlCol="0">
+            <a:noAutofit/>
+          </a:bodyPr>
+          <a:lstStyle>
+            <a:lvl1pPr marL="0" indent="0" algn="ctr" defTabSz="914400" rtl="0" eaLnBrk="1" latinLnBrk="0" hangingPunct="1">
+              <a:lnSpc>
+                <a:spcPct val="90000"/>
+              </a:lnSpc>
+              <a:spcBef>
+                <a:spcPts val="1000"/>
+              </a:spcBef>
+              <a:buFont typeface="Arial" panose="020B0604020202020204" pitchFamily="34" charset="0"/>
+              <a:buNone/>
+              <a:defRPr sz="2400" kern="1200">
+                <a:solidFill>
+                  <a:schemeClr val="tx1"/>
+                </a:solidFill>
+                <a:latin typeface="+mn-lt"/>
+                <a:ea typeface="+mn-ea"/>
+                <a:cs typeface="+mn-cs"/>
+              </a:defRPr>
+            </a:lvl1pPr>
+            <a:lvl2pPr marL="457200" indent="0" algn="ctr" defTabSz="914400" rtl="0" eaLnBrk="1" latinLnBrk="0" hangingPunct="1">
+              <a:lnSpc>
+                <a:spcPct val="90000"/>
+              </a:lnSpc>
+              <a:spcBef>
+                <a:spcPts val="500"/>
+              </a:spcBef>
+              <a:buFont typeface="Arial" panose="020B0604020202020204" pitchFamily="34" charset="0"/>
+              <a:buNone/>
+              <a:defRPr sz="2000" kern="1200">
+                <a:solidFill>
+                  <a:schemeClr val="tx1"/>
+                </a:solidFill>
+                <a:latin typeface="+mn-lt"/>
+                <a:ea typeface="+mn-ea"/>
+                <a:cs typeface="+mn-cs"/>
+              </a:defRPr>
+            </a:lvl2pPr>
+            <a:lvl3pPr marL="914400" indent="0" algn="ctr" defTabSz="914400" rtl="0" eaLnBrk="1" latinLnBrk="0" hangingPunct="1">
+              <a:lnSpc>
+                <a:spcPct val="90000"/>
+              </a:lnSpc>
+              <a:spcBef>
+                <a:spcPts val="500"/>
+              </a:spcBef>
+              <a:buFont typeface="Arial" panose="020B0604020202020204" pitchFamily="34" charset="0"/>
+              <a:buNone/>
+              <a:defRPr sz="1800" kern="1200">
+                <a:solidFill>
+                  <a:schemeClr val="tx1"/>
+                </a:solidFill>
+                <a:latin typeface="+mn-lt"/>
+                <a:ea typeface="+mn-ea"/>
+                <a:cs typeface="+mn-cs"/>
+              </a:defRPr>
+            </a:lvl3pPr>
+            <a:lvl4pPr marL="1371600" indent="0" algn="ctr" defTabSz="914400" rtl="0" eaLnBrk="1" latinLnBrk="0" hangingPunct="1">
+              <a:lnSpc>
+                <a:spcPct val="90000"/>
+              </a:lnSpc>
+              <a:spcBef>
+                <a:spcPts val="500"/>
+              </a:spcBef>
+              <a:buFont typeface="Arial" panose="020B0604020202020204" pitchFamily="34" charset="0"/>
+              <a:buNone/>
+              <a:defRPr sz="1600" kern="1200">
+                <a:solidFill>
+                  <a:schemeClr val="tx1"/>
+                </a:solidFill>
+                <a:latin typeface="+mn-lt"/>
+                <a:ea typeface="+mn-ea"/>
+                <a:cs typeface="+mn-cs"/>
+              </a:defRPr>
+            </a:lvl4pPr>
+            <a:lvl5pPr marL="1828800" indent="0" algn="ctr" defTabSz="914400" rtl="0" eaLnBrk="1" latinLnBrk="0" hangingPunct="1">
+              <a:lnSpc>
+                <a:spcPct val="90000"/>
+              </a:lnSpc>
+              <a:spcBef>
+                <a:spcPts val="500"/>
+              </a:spcBef>
+              <a:buFont typeface="Arial" panose="020B0604020202020204" pitchFamily="34" charset="0"/>
+              <a:buNone/>
+              <a:defRPr sz="1600" kern="1200">
+                <a:solidFill>
+                  <a:schemeClr val="tx1"/>
+                </a:solidFill>
+                <a:latin typeface="+mn-lt"/>
+                <a:ea typeface="+mn-ea"/>
+                <a:cs typeface="+mn-cs"/>
+              </a:defRPr>
+            </a:lvl5pPr>
+            <a:lvl6pPr marL="2286000" indent="0" algn="ctr" defTabSz="914400" rtl="0" eaLnBrk="1" latinLnBrk="0" hangingPunct="1">
+              <a:lnSpc>
+                <a:spcPct val="90000"/>
+              </a:lnSpc>
+              <a:spcBef>
+                <a:spcPts val="500"/>
+              </a:spcBef>
+              <a:buFont typeface="Arial" panose="020B0604020202020204" pitchFamily="34" charset="0"/>
+              <a:buNone/>
+              <a:defRPr sz="1600" kern="1200">
+                <a:solidFill>
+                  <a:schemeClr val="tx1"/>
+                </a:solidFill>
+                <a:latin typeface="+mn-lt"/>
+                <a:ea typeface="+mn-ea"/>
+                <a:cs typeface="+mn-cs"/>
+              </a:defRPr>
+            </a:lvl6pPr>
+            <a:lvl7pPr marL="2743200" indent="0" algn="ctr" defTabSz="914400" rtl="0" eaLnBrk="1" latinLnBrk="0" hangingPunct="1">
+              <a:lnSpc>
+                <a:spcPct val="90000"/>
+              </a:lnSpc>
+              <a:spcBef>
+                <a:spcPts val="500"/>
+              </a:spcBef>
+              <a:buFont typeface="Arial" panose="020B0604020202020204" pitchFamily="34" charset="0"/>
+              <a:buNone/>
+              <a:defRPr sz="1600" kern="1200">
+                <a:solidFill>
+                  <a:schemeClr val="tx1"/>
+                </a:solidFill>
+                <a:latin typeface="+mn-lt"/>
+                <a:ea typeface="+mn-ea"/>
+                <a:cs typeface="+mn-cs"/>
+              </a:defRPr>
+            </a:lvl7pPr>
+            <a:lvl8pPr marL="3200400" indent="0" algn="ctr" defTabSz="914400" rtl="0" eaLnBrk="1" latinLnBrk="0" hangingPunct="1">
+              <a:lnSpc>
+                <a:spcPct val="90000"/>
+              </a:lnSpc>
+              <a:spcBef>
+                <a:spcPts val="500"/>
+              </a:spcBef>
+              <a:buFont typeface="Arial" panose="020B0604020202020204" pitchFamily="34" charset="0"/>
+              <a:buNone/>
+              <a:defRPr sz="1600" kern="1200">
+                <a:solidFill>
+                  <a:schemeClr val="tx1"/>
+                </a:solidFill>
+                <a:latin typeface="+mn-lt"/>
+                <a:ea typeface="+mn-ea"/>
+                <a:cs typeface="+mn-cs"/>
+              </a:defRPr>
+            </a:lvl8pPr>
+            <a:lvl9pPr marL="3657600" indent="0" algn="ctr" defTabSz="914400" rtl="0" eaLnBrk="1" latinLnBrk="0" hangingPunct="1">
+              <a:lnSpc>
+                <a:spcPct val="90000"/>
+              </a:lnSpc>
+              <a:spcBef>
+                <a:spcPts val="500"/>
+              </a:spcBef>
+              <a:buFont typeface="Arial" panose="020B0604020202020204" pitchFamily="34" charset="0"/>
+              <a:buNone/>
+              <a:defRPr sz="1600" kern="1200">
+                <a:solidFill>
+                  <a:schemeClr val="tx1"/>
+                </a:solidFill>
+                <a:latin typeface="+mn-lt"/>
+                <a:ea typeface="+mn-ea"/>
+                <a:cs typeface="+mn-cs"/>
+              </a:defRPr>
+            </a:lvl9pPr>
+          </a:lstStyle>
+          <a:p>
+            <a:r>
+              <a:rPr lang="en-US" sz="2800" dirty="0" smtClean="0"/>
+              <a:t>2. </a:t>
+            </a:r>
+            <a:r>
+              <a:rPr lang="en-US" sz="2800" dirty="0" err="1" smtClean="0"/>
+              <a:t>Đâm</a:t>
+            </a:r>
+            <a:r>
+              <a:rPr lang="en-US" sz="2800" dirty="0" smtClean="0"/>
+              <a:t> </a:t>
+            </a:r>
+            <a:r>
+              <a:rPr lang="en-US" sz="2800" dirty="0" err="1" smtClean="0"/>
+              <a:t>trồi</a:t>
+            </a:r>
+            <a:r>
+              <a:rPr lang="en-US" sz="2800" dirty="0" smtClean="0"/>
+              <a:t> </a:t>
+            </a:r>
+            <a:r>
+              <a:rPr lang="en-US" sz="2800" dirty="0" err="1" smtClean="0"/>
+              <a:t>nảy</a:t>
+            </a:r>
+            <a:r>
+              <a:rPr lang="en-US" sz="2800" dirty="0" smtClean="0"/>
+              <a:t> </a:t>
+            </a:r>
+            <a:r>
+              <a:rPr lang="en-US" sz="2800" dirty="0" err="1" smtClean="0"/>
+              <a:t>lộc</a:t>
+            </a:r>
+            <a:r>
+              <a:rPr lang="en-US" sz="2800" dirty="0" smtClean="0"/>
+              <a:t/>
+            </a:r>
+            <a:br>
+              <a:rPr lang="en-US" sz="2800" dirty="0" smtClean="0"/>
+            </a:br>
+            <a:r>
+              <a:rPr lang="en-US" sz="2800" dirty="0" smtClean="0"/>
+              <a:t>GIEO HẠT liên </a:t>
+            </a:r>
+            <a:r>
+              <a:rPr lang="en-US" sz="2800" dirty="0" err="1" smtClean="0"/>
+              <a:t>tục</a:t>
+            </a:r>
+            <a:endParaRPr lang="en-US" sz="2800" dirty="0"/>
+          </a:p>
+        </p:txBody>
+      </p:sp>
+      <p:sp>
+        <p:nvSpPr>
+          <p:cNvPr id="8" name="Subtitle 2"/>
+          <p:cNvSpPr txBox="1">
+            <a:spLocks/>
+          </p:cNvSpPr>
+          <p:nvPr/>
+        </p:nvSpPr>
+        <p:spPr>
+          <a:xfrm>
+            <a:off x="3907436" y="391930"/>
+            <a:ext cx="4072328" cy="414416"/>
+          </a:xfrm>
+          <a:prstGeom prst="rect">
+            <a:avLst/>
+          </a:prstGeom>
+        </p:spPr>
+        <p:txBody>
+          <a:bodyPr vert="horz" lIns="91440" tIns="45720" rIns="91440" bIns="45720" rtlCol="0">
+            <a:noAutofit/>
+          </a:bodyPr>
+          <a:lstStyle>
+            <a:lvl1pPr marL="0" indent="0" algn="ctr" defTabSz="914400" rtl="0" eaLnBrk="1" latinLnBrk="0" hangingPunct="1">
+              <a:lnSpc>
+                <a:spcPct val="90000"/>
+              </a:lnSpc>
+              <a:spcBef>
+                <a:spcPts val="1000"/>
+              </a:spcBef>
+              <a:buFont typeface="Arial" panose="020B0604020202020204" pitchFamily="34" charset="0"/>
+              <a:buNone/>
+              <a:defRPr sz="2400" kern="1200">
+                <a:solidFill>
+                  <a:schemeClr val="tx1"/>
+                </a:solidFill>
+                <a:latin typeface="+mn-lt"/>
+                <a:ea typeface="+mn-ea"/>
+                <a:cs typeface="+mn-cs"/>
+              </a:defRPr>
+            </a:lvl1pPr>
+            <a:lvl2pPr marL="457200" indent="0" algn="ctr" defTabSz="914400" rtl="0" eaLnBrk="1" latinLnBrk="0" hangingPunct="1">
+              <a:lnSpc>
+                <a:spcPct val="90000"/>
+              </a:lnSpc>
+              <a:spcBef>
+                <a:spcPts val="500"/>
+              </a:spcBef>
+              <a:buFont typeface="Arial" panose="020B0604020202020204" pitchFamily="34" charset="0"/>
+              <a:buNone/>
+              <a:defRPr sz="2000" kern="1200">
+                <a:solidFill>
+                  <a:schemeClr val="tx1"/>
+                </a:solidFill>
+                <a:latin typeface="+mn-lt"/>
+                <a:ea typeface="+mn-ea"/>
+                <a:cs typeface="+mn-cs"/>
+              </a:defRPr>
+            </a:lvl2pPr>
+            <a:lvl3pPr marL="914400" indent="0" algn="ctr" defTabSz="914400" rtl="0" eaLnBrk="1" latinLnBrk="0" hangingPunct="1">
+              <a:lnSpc>
+                <a:spcPct val="90000"/>
+              </a:lnSpc>
+              <a:spcBef>
+                <a:spcPts val="500"/>
+              </a:spcBef>
+              <a:buFont typeface="Arial" panose="020B0604020202020204" pitchFamily="34" charset="0"/>
+              <a:buNone/>
+              <a:defRPr sz="1800" kern="1200">
+                <a:solidFill>
+                  <a:schemeClr val="tx1"/>
+                </a:solidFill>
+                <a:latin typeface="+mn-lt"/>
+                <a:ea typeface="+mn-ea"/>
+                <a:cs typeface="+mn-cs"/>
+              </a:defRPr>
+            </a:lvl3pPr>
+            <a:lvl4pPr marL="1371600" indent="0" algn="ctr" defTabSz="914400" rtl="0" eaLnBrk="1" latinLnBrk="0" hangingPunct="1">
+              <a:lnSpc>
+                <a:spcPct val="90000"/>
+              </a:lnSpc>
+              <a:spcBef>
+                <a:spcPts val="500"/>
+              </a:spcBef>
+              <a:buFont typeface="Arial" panose="020B0604020202020204" pitchFamily="34" charset="0"/>
+              <a:buNone/>
+              <a:defRPr sz="1600" kern="1200">
+                <a:solidFill>
+                  <a:schemeClr val="tx1"/>
+                </a:solidFill>
+                <a:latin typeface="+mn-lt"/>
+                <a:ea typeface="+mn-ea"/>
+                <a:cs typeface="+mn-cs"/>
+              </a:defRPr>
+            </a:lvl4pPr>
+            <a:lvl5pPr marL="1828800" indent="0" algn="ctr" defTabSz="914400" rtl="0" eaLnBrk="1" latinLnBrk="0" hangingPunct="1">
+              <a:lnSpc>
+                <a:spcPct val="90000"/>
+              </a:lnSpc>
+              <a:spcBef>
+                <a:spcPts val="500"/>
+              </a:spcBef>
+              <a:buFont typeface="Arial" panose="020B0604020202020204" pitchFamily="34" charset="0"/>
+              <a:buNone/>
+              <a:defRPr sz="1600" kern="1200">
+                <a:solidFill>
+                  <a:schemeClr val="tx1"/>
+                </a:solidFill>
+                <a:latin typeface="+mn-lt"/>
+                <a:ea typeface="+mn-ea"/>
+                <a:cs typeface="+mn-cs"/>
+              </a:defRPr>
+            </a:lvl5pPr>
+            <a:lvl6pPr marL="2286000" indent="0" algn="ctr" defTabSz="914400" rtl="0" eaLnBrk="1" latinLnBrk="0" hangingPunct="1">
+              <a:lnSpc>
+                <a:spcPct val="90000"/>
+              </a:lnSpc>
+              <a:spcBef>
+                <a:spcPts val="500"/>
+              </a:spcBef>
+              <a:buFont typeface="Arial" panose="020B0604020202020204" pitchFamily="34" charset="0"/>
+              <a:buNone/>
+              <a:defRPr sz="1600" kern="1200">
+                <a:solidFill>
+                  <a:schemeClr val="tx1"/>
+                </a:solidFill>
+                <a:latin typeface="+mn-lt"/>
+                <a:ea typeface="+mn-ea"/>
+                <a:cs typeface="+mn-cs"/>
+              </a:defRPr>
+            </a:lvl6pPr>
+            <a:lvl7pPr marL="2743200" indent="0" algn="ctr" defTabSz="914400" rtl="0" eaLnBrk="1" latinLnBrk="0" hangingPunct="1">
+              <a:lnSpc>
+                <a:spcPct val="90000"/>
+              </a:lnSpc>
+              <a:spcBef>
+                <a:spcPts val="500"/>
+              </a:spcBef>
+              <a:buFont typeface="Arial" panose="020B0604020202020204" pitchFamily="34" charset="0"/>
+              <a:buNone/>
+              <a:defRPr sz="1600" kern="1200">
+                <a:solidFill>
+                  <a:schemeClr val="tx1"/>
+                </a:solidFill>
+                <a:latin typeface="+mn-lt"/>
+                <a:ea typeface="+mn-ea"/>
+                <a:cs typeface="+mn-cs"/>
+              </a:defRPr>
+            </a:lvl7pPr>
+            <a:lvl8pPr marL="3200400" indent="0" algn="ctr" defTabSz="914400" rtl="0" eaLnBrk="1" latinLnBrk="0" hangingPunct="1">
+              <a:lnSpc>
+                <a:spcPct val="90000"/>
+              </a:lnSpc>
+              <a:spcBef>
+                <a:spcPts val="500"/>
+              </a:spcBef>
+              <a:buFont typeface="Arial" panose="020B0604020202020204" pitchFamily="34" charset="0"/>
+              <a:buNone/>
+              <a:defRPr sz="1600" kern="1200">
+                <a:solidFill>
+                  <a:schemeClr val="tx1"/>
+                </a:solidFill>
+                <a:latin typeface="+mn-lt"/>
+                <a:ea typeface="+mn-ea"/>
+                <a:cs typeface="+mn-cs"/>
+              </a:defRPr>
+            </a:lvl8pPr>
+            <a:lvl9pPr marL="3657600" indent="0" algn="ctr" defTabSz="914400" rtl="0" eaLnBrk="1" latinLnBrk="0" hangingPunct="1">
+              <a:lnSpc>
+                <a:spcPct val="90000"/>
+              </a:lnSpc>
+              <a:spcBef>
+                <a:spcPts val="500"/>
+              </a:spcBef>
+              <a:buFont typeface="Arial" panose="020B0604020202020204" pitchFamily="34" charset="0"/>
+              <a:buNone/>
+              <a:defRPr sz="1600" kern="1200">
+                <a:solidFill>
+                  <a:schemeClr val="tx1"/>
+                </a:solidFill>
+                <a:latin typeface="+mn-lt"/>
+                <a:ea typeface="+mn-ea"/>
+                <a:cs typeface="+mn-cs"/>
+              </a:defRPr>
+            </a:lvl9pPr>
+          </a:lstStyle>
+          <a:p>
+            <a:r>
+              <a:rPr lang="en-US" sz="3200" dirty="0" smtClean="0"/>
+              <a:t>NHỊP ĐIỆU CUỘC SỐNG</a:t>
+            </a:r>
+            <a:endParaRPr lang="en-US" sz="3200" dirty="0"/>
+          </a:p>
+        </p:txBody>
+      </p:sp>
+      <p:sp>
+        <p:nvSpPr>
+          <p:cNvPr id="9" name="Subtitle 2"/>
+          <p:cNvSpPr txBox="1">
+            <a:spLocks/>
+          </p:cNvSpPr>
+          <p:nvPr/>
+        </p:nvSpPr>
+        <p:spPr>
+          <a:xfrm>
+            <a:off x="294807" y="2920738"/>
+            <a:ext cx="1813810" cy="947816"/>
+          </a:xfrm>
+          <a:prstGeom prst="rect">
+            <a:avLst/>
+          </a:prstGeom>
+        </p:spPr>
+        <p:txBody>
+          <a:bodyPr vert="horz" lIns="91440" tIns="45720" rIns="91440" bIns="45720" rtlCol="0">
+            <a:normAutofit/>
+          </a:bodyPr>
+          <a:lstStyle>
+            <a:lvl1pPr marL="0" indent="0" algn="ctr" defTabSz="914400" rtl="0" eaLnBrk="1" latinLnBrk="0" hangingPunct="1">
+              <a:lnSpc>
+                <a:spcPct val="90000"/>
+              </a:lnSpc>
+              <a:spcBef>
+                <a:spcPts val="1000"/>
+              </a:spcBef>
+              <a:buFont typeface="Arial" panose="020B0604020202020204" pitchFamily="34" charset="0"/>
+              <a:buNone/>
+              <a:defRPr sz="2400" kern="1200">
+                <a:solidFill>
+                  <a:schemeClr val="tx1"/>
+                </a:solidFill>
+                <a:latin typeface="+mn-lt"/>
+                <a:ea typeface="+mn-ea"/>
+                <a:cs typeface="+mn-cs"/>
+              </a:defRPr>
+            </a:lvl1pPr>
+            <a:lvl2pPr marL="457200" indent="0" algn="ctr" defTabSz="914400" rtl="0" eaLnBrk="1" latinLnBrk="0" hangingPunct="1">
+              <a:lnSpc>
+                <a:spcPct val="90000"/>
+              </a:lnSpc>
+              <a:spcBef>
+                <a:spcPts val="500"/>
+              </a:spcBef>
+              <a:buFont typeface="Arial" panose="020B0604020202020204" pitchFamily="34" charset="0"/>
+              <a:buNone/>
+              <a:defRPr sz="2000" kern="1200">
+                <a:solidFill>
+                  <a:schemeClr val="tx1"/>
+                </a:solidFill>
+                <a:latin typeface="+mn-lt"/>
+                <a:ea typeface="+mn-ea"/>
+                <a:cs typeface="+mn-cs"/>
+              </a:defRPr>
+            </a:lvl2pPr>
+            <a:lvl3pPr marL="914400" indent="0" algn="ctr" defTabSz="914400" rtl="0" eaLnBrk="1" latinLnBrk="0" hangingPunct="1">
+              <a:lnSpc>
+                <a:spcPct val="90000"/>
+              </a:lnSpc>
+              <a:spcBef>
+                <a:spcPts val="500"/>
+              </a:spcBef>
+              <a:buFont typeface="Arial" panose="020B0604020202020204" pitchFamily="34" charset="0"/>
+              <a:buNone/>
+              <a:defRPr sz="1800" kern="1200">
+                <a:solidFill>
+                  <a:schemeClr val="tx1"/>
+                </a:solidFill>
+                <a:latin typeface="+mn-lt"/>
+                <a:ea typeface="+mn-ea"/>
+                <a:cs typeface="+mn-cs"/>
+              </a:defRPr>
+            </a:lvl3pPr>
+            <a:lvl4pPr marL="1371600" indent="0" algn="ctr" defTabSz="914400" rtl="0" eaLnBrk="1" latinLnBrk="0" hangingPunct="1">
+              <a:lnSpc>
+                <a:spcPct val="90000"/>
+              </a:lnSpc>
+              <a:spcBef>
+                <a:spcPts val="500"/>
+              </a:spcBef>
+              <a:buFont typeface="Arial" panose="020B0604020202020204" pitchFamily="34" charset="0"/>
+              <a:buNone/>
+              <a:defRPr sz="1600" kern="1200">
+                <a:solidFill>
+                  <a:schemeClr val="tx1"/>
+                </a:solidFill>
+                <a:latin typeface="+mn-lt"/>
+                <a:ea typeface="+mn-ea"/>
+                <a:cs typeface="+mn-cs"/>
+              </a:defRPr>
+            </a:lvl4pPr>
+            <a:lvl5pPr marL="1828800" indent="0" algn="ctr" defTabSz="914400" rtl="0" eaLnBrk="1" latinLnBrk="0" hangingPunct="1">
+              <a:lnSpc>
+                <a:spcPct val="90000"/>
+              </a:lnSpc>
+              <a:spcBef>
+                <a:spcPts val="500"/>
+              </a:spcBef>
+              <a:buFont typeface="Arial" panose="020B0604020202020204" pitchFamily="34" charset="0"/>
+              <a:buNone/>
+              <a:defRPr sz="1600" kern="1200">
+                <a:solidFill>
+                  <a:schemeClr val="tx1"/>
+                </a:solidFill>
+                <a:latin typeface="+mn-lt"/>
+                <a:ea typeface="+mn-ea"/>
+                <a:cs typeface="+mn-cs"/>
+              </a:defRPr>
+            </a:lvl5pPr>
+            <a:lvl6pPr marL="2286000" indent="0" algn="ctr" defTabSz="914400" rtl="0" eaLnBrk="1" latinLnBrk="0" hangingPunct="1">
+              <a:lnSpc>
+                <a:spcPct val="90000"/>
+              </a:lnSpc>
+              <a:spcBef>
+                <a:spcPts val="500"/>
+              </a:spcBef>
+              <a:buFont typeface="Arial" panose="020B0604020202020204" pitchFamily="34" charset="0"/>
+              <a:buNone/>
+              <a:defRPr sz="1600" kern="1200">
+                <a:solidFill>
+                  <a:schemeClr val="tx1"/>
+                </a:solidFill>
+                <a:latin typeface="+mn-lt"/>
+                <a:ea typeface="+mn-ea"/>
+                <a:cs typeface="+mn-cs"/>
+              </a:defRPr>
+            </a:lvl6pPr>
+            <a:lvl7pPr marL="2743200" indent="0" algn="ctr" defTabSz="914400" rtl="0" eaLnBrk="1" latinLnBrk="0" hangingPunct="1">
+              <a:lnSpc>
+                <a:spcPct val="90000"/>
+              </a:lnSpc>
+              <a:spcBef>
+                <a:spcPts val="500"/>
+              </a:spcBef>
+              <a:buFont typeface="Arial" panose="020B0604020202020204" pitchFamily="34" charset="0"/>
+              <a:buNone/>
+              <a:defRPr sz="1600" kern="1200">
+                <a:solidFill>
+                  <a:schemeClr val="tx1"/>
+                </a:solidFill>
+                <a:latin typeface="+mn-lt"/>
+                <a:ea typeface="+mn-ea"/>
+                <a:cs typeface="+mn-cs"/>
+              </a:defRPr>
+            </a:lvl7pPr>
+            <a:lvl8pPr marL="3200400" indent="0" algn="ctr" defTabSz="914400" rtl="0" eaLnBrk="1" latinLnBrk="0" hangingPunct="1">
+              <a:lnSpc>
+                <a:spcPct val="90000"/>
+              </a:lnSpc>
+              <a:spcBef>
+                <a:spcPts val="500"/>
+              </a:spcBef>
+              <a:buFont typeface="Arial" panose="020B0604020202020204" pitchFamily="34" charset="0"/>
+              <a:buNone/>
+              <a:defRPr sz="1600" kern="1200">
+                <a:solidFill>
+                  <a:schemeClr val="tx1"/>
+                </a:solidFill>
+                <a:latin typeface="+mn-lt"/>
+                <a:ea typeface="+mn-ea"/>
+                <a:cs typeface="+mn-cs"/>
+              </a:defRPr>
+            </a:lvl8pPr>
+            <a:lvl9pPr marL="3657600" indent="0" algn="ctr" defTabSz="914400" rtl="0" eaLnBrk="1" latinLnBrk="0" hangingPunct="1">
+              <a:lnSpc>
+                <a:spcPct val="90000"/>
+              </a:lnSpc>
+              <a:spcBef>
+                <a:spcPts val="500"/>
+              </a:spcBef>
+              <a:buFont typeface="Arial" panose="020B0604020202020204" pitchFamily="34" charset="0"/>
+              <a:buNone/>
+              <a:defRPr sz="1600" kern="1200">
+                <a:solidFill>
+                  <a:schemeClr val="tx1"/>
+                </a:solidFill>
+                <a:latin typeface="+mn-lt"/>
+                <a:ea typeface="+mn-ea"/>
+                <a:cs typeface="+mn-cs"/>
+              </a:defRPr>
+            </a:lvl9pPr>
+          </a:lstStyle>
+          <a:p>
+            <a:r>
+              <a:rPr lang="en-US" dirty="0" err="1" smtClean="0"/>
+              <a:t>Khủng</a:t>
+            </a:r>
+            <a:r>
+              <a:rPr lang="en-US" dirty="0" smtClean="0"/>
+              <a:t> </a:t>
+            </a:r>
+            <a:r>
+              <a:rPr lang="en-US" dirty="0" err="1" smtClean="0"/>
+              <a:t>hoảng</a:t>
+            </a:r>
+            <a:r>
+              <a:rPr lang="en-US" dirty="0" smtClean="0"/>
+              <a:t> 2x ,3x, 4x</a:t>
+            </a:r>
+            <a:endParaRPr lang="en-US" dirty="0"/>
+          </a:p>
+        </p:txBody>
+      </p:sp>
+      <p:sp>
+        <p:nvSpPr>
+          <p:cNvPr id="10" name="Subtitle 2"/>
+          <p:cNvSpPr txBox="1">
+            <a:spLocks/>
+          </p:cNvSpPr>
+          <p:nvPr/>
+        </p:nvSpPr>
+        <p:spPr>
+          <a:xfrm>
+            <a:off x="6435778" y="6031823"/>
+            <a:ext cx="3377783" cy="414416"/>
+          </a:xfrm>
+          <a:prstGeom prst="rect">
+            <a:avLst/>
+          </a:prstGeom>
+        </p:spPr>
+        <p:txBody>
+          <a:bodyPr vert="horz" lIns="91440" tIns="45720" rIns="91440" bIns="45720" rtlCol="0">
+            <a:normAutofit fontScale="92500"/>
+          </a:bodyPr>
+          <a:lstStyle>
+            <a:lvl1pPr marL="0" indent="0" algn="ctr" defTabSz="914400" rtl="0" eaLnBrk="1" latinLnBrk="0" hangingPunct="1">
+              <a:lnSpc>
+                <a:spcPct val="90000"/>
+              </a:lnSpc>
+              <a:spcBef>
+                <a:spcPts val="1000"/>
+              </a:spcBef>
+              <a:buFont typeface="Arial" panose="020B0604020202020204" pitchFamily="34" charset="0"/>
+              <a:buNone/>
+              <a:defRPr sz="2400" kern="1200">
+                <a:solidFill>
+                  <a:schemeClr val="tx1"/>
+                </a:solidFill>
+                <a:latin typeface="+mn-lt"/>
+                <a:ea typeface="+mn-ea"/>
+                <a:cs typeface="+mn-cs"/>
+              </a:defRPr>
+            </a:lvl1pPr>
+            <a:lvl2pPr marL="457200" indent="0" algn="ctr" defTabSz="914400" rtl="0" eaLnBrk="1" latinLnBrk="0" hangingPunct="1">
+              <a:lnSpc>
+                <a:spcPct val="90000"/>
+              </a:lnSpc>
+              <a:spcBef>
+                <a:spcPts val="500"/>
+              </a:spcBef>
+              <a:buFont typeface="Arial" panose="020B0604020202020204" pitchFamily="34" charset="0"/>
+              <a:buNone/>
+              <a:defRPr sz="2000" kern="1200">
+                <a:solidFill>
+                  <a:schemeClr val="tx1"/>
+                </a:solidFill>
+                <a:latin typeface="+mn-lt"/>
+                <a:ea typeface="+mn-ea"/>
+                <a:cs typeface="+mn-cs"/>
+              </a:defRPr>
+            </a:lvl2pPr>
+            <a:lvl3pPr marL="914400" indent="0" algn="ctr" defTabSz="914400" rtl="0" eaLnBrk="1" latinLnBrk="0" hangingPunct="1">
+              <a:lnSpc>
+                <a:spcPct val="90000"/>
+              </a:lnSpc>
+              <a:spcBef>
+                <a:spcPts val="500"/>
+              </a:spcBef>
+              <a:buFont typeface="Arial" panose="020B0604020202020204" pitchFamily="34" charset="0"/>
+              <a:buNone/>
+              <a:defRPr sz="1800" kern="1200">
+                <a:solidFill>
+                  <a:schemeClr val="tx1"/>
+                </a:solidFill>
+                <a:latin typeface="+mn-lt"/>
+                <a:ea typeface="+mn-ea"/>
+                <a:cs typeface="+mn-cs"/>
+              </a:defRPr>
+            </a:lvl3pPr>
+            <a:lvl4pPr marL="1371600" indent="0" algn="ctr" defTabSz="914400" rtl="0" eaLnBrk="1" latinLnBrk="0" hangingPunct="1">
+              <a:lnSpc>
+                <a:spcPct val="90000"/>
+              </a:lnSpc>
+              <a:spcBef>
+                <a:spcPts val="500"/>
+              </a:spcBef>
+              <a:buFont typeface="Arial" panose="020B0604020202020204" pitchFamily="34" charset="0"/>
+              <a:buNone/>
+              <a:defRPr sz="1600" kern="1200">
+                <a:solidFill>
+                  <a:schemeClr val="tx1"/>
+                </a:solidFill>
+                <a:latin typeface="+mn-lt"/>
+                <a:ea typeface="+mn-ea"/>
+                <a:cs typeface="+mn-cs"/>
+              </a:defRPr>
+            </a:lvl4pPr>
+            <a:lvl5pPr marL="1828800" indent="0" algn="ctr" defTabSz="914400" rtl="0" eaLnBrk="1" latinLnBrk="0" hangingPunct="1">
+              <a:lnSpc>
+                <a:spcPct val="90000"/>
+              </a:lnSpc>
+              <a:spcBef>
+                <a:spcPts val="500"/>
+              </a:spcBef>
+              <a:buFont typeface="Arial" panose="020B0604020202020204" pitchFamily="34" charset="0"/>
+              <a:buNone/>
+              <a:defRPr sz="1600" kern="1200">
+                <a:solidFill>
+                  <a:schemeClr val="tx1"/>
+                </a:solidFill>
+                <a:latin typeface="+mn-lt"/>
+                <a:ea typeface="+mn-ea"/>
+                <a:cs typeface="+mn-cs"/>
+              </a:defRPr>
+            </a:lvl5pPr>
+            <a:lvl6pPr marL="2286000" indent="0" algn="ctr" defTabSz="914400" rtl="0" eaLnBrk="1" latinLnBrk="0" hangingPunct="1">
+              <a:lnSpc>
+                <a:spcPct val="90000"/>
+              </a:lnSpc>
+              <a:spcBef>
+                <a:spcPts val="500"/>
+              </a:spcBef>
+              <a:buFont typeface="Arial" panose="020B0604020202020204" pitchFamily="34" charset="0"/>
+              <a:buNone/>
+              <a:defRPr sz="1600" kern="1200">
+                <a:solidFill>
+                  <a:schemeClr val="tx1"/>
+                </a:solidFill>
+                <a:latin typeface="+mn-lt"/>
+                <a:ea typeface="+mn-ea"/>
+                <a:cs typeface="+mn-cs"/>
+              </a:defRPr>
+            </a:lvl6pPr>
+            <a:lvl7pPr marL="2743200" indent="0" algn="ctr" defTabSz="914400" rtl="0" eaLnBrk="1" latinLnBrk="0" hangingPunct="1">
+              <a:lnSpc>
+                <a:spcPct val="90000"/>
+              </a:lnSpc>
+              <a:spcBef>
+                <a:spcPts val="500"/>
+              </a:spcBef>
+              <a:buFont typeface="Arial" panose="020B0604020202020204" pitchFamily="34" charset="0"/>
+              <a:buNone/>
+              <a:defRPr sz="1600" kern="1200">
+                <a:solidFill>
+                  <a:schemeClr val="tx1"/>
+                </a:solidFill>
+                <a:latin typeface="+mn-lt"/>
+                <a:ea typeface="+mn-ea"/>
+                <a:cs typeface="+mn-cs"/>
+              </a:defRPr>
+            </a:lvl7pPr>
+            <a:lvl8pPr marL="3200400" indent="0" algn="ctr" defTabSz="914400" rtl="0" eaLnBrk="1" latinLnBrk="0" hangingPunct="1">
+              <a:lnSpc>
+                <a:spcPct val="90000"/>
+              </a:lnSpc>
+              <a:spcBef>
+                <a:spcPts val="500"/>
+              </a:spcBef>
+              <a:buFont typeface="Arial" panose="020B0604020202020204" pitchFamily="34" charset="0"/>
+              <a:buNone/>
+              <a:defRPr sz="1600" kern="1200">
+                <a:solidFill>
+                  <a:schemeClr val="tx1"/>
+                </a:solidFill>
+                <a:latin typeface="+mn-lt"/>
+                <a:ea typeface="+mn-ea"/>
+                <a:cs typeface="+mn-cs"/>
+              </a:defRPr>
+            </a:lvl8pPr>
+            <a:lvl9pPr marL="3657600" indent="0" algn="ctr" defTabSz="914400" rtl="0" eaLnBrk="1" latinLnBrk="0" hangingPunct="1">
+              <a:lnSpc>
+                <a:spcPct val="90000"/>
+              </a:lnSpc>
+              <a:spcBef>
+                <a:spcPts val="500"/>
+              </a:spcBef>
+              <a:buFont typeface="Arial" panose="020B0604020202020204" pitchFamily="34" charset="0"/>
+              <a:buNone/>
+              <a:defRPr sz="1600" kern="1200">
+                <a:solidFill>
+                  <a:schemeClr val="tx1"/>
+                </a:solidFill>
+                <a:latin typeface="+mn-lt"/>
+                <a:ea typeface="+mn-ea"/>
+                <a:cs typeface="+mn-cs"/>
+              </a:defRPr>
+            </a:lvl9pPr>
+          </a:lstStyle>
+          <a:p>
+            <a:r>
+              <a:rPr lang="en-US" dirty="0" err="1" smtClean="0"/>
+              <a:t>cơ</a:t>
+            </a:r>
+            <a:r>
+              <a:rPr lang="en-US" dirty="0" smtClean="0"/>
+              <a:t> </a:t>
+            </a:r>
+            <a:r>
+              <a:rPr lang="en-US" dirty="0" err="1" smtClean="0"/>
+              <a:t>hội</a:t>
+            </a:r>
+            <a:r>
+              <a:rPr lang="en-US" dirty="0" smtClean="0"/>
+              <a:t> = </a:t>
+            </a:r>
+            <a:r>
+              <a:rPr lang="en-US" dirty="0" err="1" smtClean="0"/>
+              <a:t>nhu</a:t>
+            </a:r>
+            <a:r>
+              <a:rPr lang="en-US" dirty="0" smtClean="0"/>
+              <a:t> </a:t>
+            </a:r>
+            <a:r>
+              <a:rPr lang="en-US" dirty="0" err="1" smtClean="0"/>
+              <a:t>cầu</a:t>
+            </a:r>
+            <a:r>
+              <a:rPr lang="en-US" dirty="0" smtClean="0"/>
+              <a:t> + </a:t>
+            </a:r>
+            <a:r>
+              <a:rPr lang="en-US" dirty="0" err="1" smtClean="0"/>
+              <a:t>đáp</a:t>
+            </a:r>
+            <a:r>
+              <a:rPr lang="en-US" dirty="0" smtClean="0"/>
+              <a:t> ứng</a:t>
+            </a:r>
+            <a:endParaRPr lang="en-US" dirty="0"/>
           </a:p>
         </p:txBody>
       </p:sp>
     </p:spTree>
     <p:extLst>
       <p:ext uri="{BB962C8B-B14F-4D97-AF65-F5344CB8AC3E}">
-        <p14:creationId xmlns:p14="http://schemas.microsoft.com/office/powerpoint/2010/main" val="1125613430"/>
+        <p14:creationId xmlns:p14="http://schemas.microsoft.com/office/powerpoint/2010/main" val="2896205704"/>
       </p:ext>
     </p:extLst>
   </p:cSld>
   <p:clrMapOvr>
     <a:masterClrMapping/>
   </p:clrMapOvr>
+  <p:timing>
+    <p:tnLst>
+      <p:par>
+        <p:cTn id="1" dur="indefinite" restart="never" nodeType="tmRoot"/>
+      </p:par>
+    </p:tnLst>
+  </p:timing>
 </p:sld>
 </file>
 
@@ -7139,98 +7482,107 @@
         </p:nvSpPr>
         <p:spPr>
           <a:xfrm>
-            <a:off x="1946223" y="2473378"/>
-            <a:ext cx="8299554" cy="1052310"/>
+            <a:off x="1404079" y="130913"/>
+            <a:ext cx="9144000" cy="1158240"/>
           </a:xfrm>
         </p:spPr>
         <p:txBody>
-          <a:bodyPr>
-            <a:normAutofit/>
+          <a:bodyPr/>
+          <a:lstStyle/>
+          <a:p>
+            <a:r>
+              <a:rPr lang="en-US" dirty="0" smtClean="0"/>
+              <a:t>THỜI GIAN</a:t>
+            </a:r>
+            <a:endParaRPr lang="en-US" dirty="0"/>
+          </a:p>
+        </p:txBody>
+      </p:sp>
+      <p:pic>
+        <p:nvPicPr>
+          <p:cNvPr id="4" name="Picture 3"/>
+          <p:cNvPicPr>
+            <a:picLocks noChangeAspect="1"/>
+          </p:cNvPicPr>
+          <p:nvPr/>
+        </p:nvPicPr>
+        <p:blipFill>
+          <a:blip r:embed="rId3">
+            <a:extLst>
+              <a:ext uri="{28A0092B-C50C-407E-A947-70E740481C1C}">
+                <a14:useLocalDpi xmlns:a14="http://schemas.microsoft.com/office/drawing/2010/main" val="0"/>
+              </a:ext>
+            </a:extLst>
+          </a:blip>
+          <a:stretch>
+            <a:fillRect/>
+          </a:stretch>
+        </p:blipFill>
+        <p:spPr>
+          <a:xfrm>
+            <a:off x="2183568" y="1424065"/>
+            <a:ext cx="8054715" cy="4530777"/>
+          </a:xfrm>
+          <a:prstGeom prst="rect">
+            <a:avLst/>
+          </a:prstGeom>
+        </p:spPr>
+      </p:pic>
+      <p:sp>
+        <p:nvSpPr>
+          <p:cNvPr id="5" name="TextBox 4"/>
+          <p:cNvSpPr txBox="1"/>
+          <p:nvPr/>
+        </p:nvSpPr>
+        <p:spPr>
+          <a:xfrm>
+            <a:off x="591465" y="1663908"/>
+            <a:ext cx="1592103" cy="646331"/>
+          </a:xfrm>
+          <a:prstGeom prst="rect">
+            <a:avLst/>
+          </a:prstGeom>
+          <a:noFill/>
+        </p:spPr>
+        <p:txBody>
+          <a:bodyPr wrap="none" rtlCol="0">
+            <a:spAutoFit/>
           </a:bodyPr>
           <a:lstStyle/>
           <a:p>
             <a:r>
-              <a:rPr lang="en-US" sz="5400" dirty="0" smtClean="0"/>
-              <a:t>NỘI LỰC = </a:t>
-            </a:r>
-            <a:r>
-              <a:rPr lang="en-US" sz="5400" dirty="0" err="1" smtClean="0"/>
-              <a:t>thân</a:t>
-            </a:r>
-            <a:r>
-              <a:rPr lang="en-US" sz="5400" dirty="0" smtClean="0"/>
-              <a:t> + </a:t>
-            </a:r>
-            <a:r>
-              <a:rPr lang="en-US" sz="5400" dirty="0" err="1" smtClean="0"/>
-              <a:t>tâm</a:t>
-            </a:r>
-            <a:r>
-              <a:rPr lang="en-US" sz="5400" dirty="0" smtClean="0"/>
-              <a:t> + </a:t>
-            </a:r>
-            <a:r>
-              <a:rPr lang="en-US" sz="5400" dirty="0" err="1" smtClean="0"/>
-              <a:t>trí</a:t>
-            </a:r>
-            <a:endParaRPr lang="en-US" sz="5400" dirty="0"/>
-          </a:p>
-        </p:txBody>
-      </p:sp>
-      <p:sp>
-        <p:nvSpPr>
-          <p:cNvPr id="3" name="Subtitle 2"/>
-          <p:cNvSpPr>
-            <a:spLocks noGrp="1"/>
-          </p:cNvSpPr>
-          <p:nvPr>
-            <p:ph type="subTitle" idx="1"/>
-          </p:nvPr>
-        </p:nvSpPr>
-        <p:spPr>
-          <a:xfrm>
-            <a:off x="1524000" y="3751939"/>
-            <a:ext cx="9144000" cy="865031"/>
-          </a:xfrm>
-        </p:spPr>
-        <p:txBody>
-          <a:bodyPr/>
-          <a:lstStyle/>
-          <a:p>
-            <a:r>
-              <a:rPr lang="en-US" dirty="0" smtClean="0"/>
-              <a:t>7 TỶ &gt; 3 </a:t>
-            </a:r>
-            <a:r>
-              <a:rPr lang="en-US" dirty="0" err="1" smtClean="0"/>
-              <a:t>Tỷ</a:t>
-            </a:r>
-            <a:r>
-              <a:rPr lang="en-US" dirty="0" smtClean="0"/>
-              <a:t> (</a:t>
-            </a:r>
-            <a:r>
-              <a:rPr lang="en-US" dirty="0" smtClean="0"/>
-              <a:t>NGƯỜI</a:t>
-            </a:r>
-            <a:r>
-              <a:rPr lang="en-US" dirty="0" smtClean="0"/>
-              <a:t>)</a:t>
-            </a:r>
-            <a:endParaRPr lang="en-US" dirty="0"/>
+              <a:rPr lang="en-US" sz="3600" dirty="0" smtClean="0">
+                <a:solidFill>
+                  <a:srgbClr val="FF0000"/>
+                </a:solidFill>
+              </a:rPr>
+              <a:t>60-80%</a:t>
+            </a:r>
+            <a:endParaRPr lang="en-US" sz="3600" dirty="0">
+              <a:solidFill>
+                <a:srgbClr val="FF0000"/>
+              </a:solidFill>
+            </a:endParaRPr>
           </a:p>
         </p:txBody>
       </p:sp>
     </p:spTree>
     <p:extLst>
       <p:ext uri="{BB962C8B-B14F-4D97-AF65-F5344CB8AC3E}">
-        <p14:creationId xmlns:p14="http://schemas.microsoft.com/office/powerpoint/2010/main" val="2160267804"/>
+        <p14:creationId xmlns:p14="http://schemas.microsoft.com/office/powerpoint/2010/main" val="1125613430"/>
       </p:ext>
     </p:extLst>
   </p:cSld>
   <p:clrMapOvr>
     <a:masterClrMapping/>
   </p:clrMapOvr>
+  <p:timing>
+    <p:tnLst>
+      <p:par>
+        <p:cTn id="1" dur="indefinite" restart="never" nodeType="tmRoot"/>
+      </p:par>
+    </p:tnLst>
+  </p:timing>
 </p:sld>
 </file>
 
